--- a/samples/pptx/sample.pptx
+++ b/samples/pptx/sample.pptx
@@ -3349,12 +3349,6 @@
             <a:fillRect/>
           </a:stretch>
         </p:blipFill>
-        <p:spPr>
-          <a:xfrm>
-            <a:off x="3124200" y="3356451"/>
-            <a:ext cx="2895600" cy="1013460"/>
-          </a:xfrm>
-        </p:spPr>
       </p:pic>
     </p:spTree>
     <p:extLst>
@@ -3431,12 +3425,6 @@
             <a:fillRect/>
           </a:stretch>
         </p:blipFill>
-        <p:spPr>
-          <a:xfrm>
-            <a:off x="3124200" y="3356451"/>
-            <a:ext cx="2895600" cy="1013460"/>
-          </a:xfrm>
-        </p:spPr>
       </p:pic>
     </p:spTree>
     <p:extLst>
@@ -3513,12 +3501,6 @@
             <a:fillRect/>
           </a:stretch>
         </p:blipFill>
-        <p:spPr>
-          <a:xfrm>
-            <a:off x="3124200" y="3356451"/>
-            <a:ext cx="2895600" cy="1013460"/>
-          </a:xfrm>
-        </p:spPr>
       </p:pic>
     </p:spTree>
     <p:extLst>
@@ -3595,12 +3577,6 @@
             <a:fillRect/>
           </a:stretch>
         </p:blipFill>
-        <p:spPr>
-          <a:xfrm>
-            <a:off x="3124200" y="3356451"/>
-            <a:ext cx="2895600" cy="1013460"/>
-          </a:xfrm>
-        </p:spPr>
       </p:pic>
     </p:spTree>
     <p:extLst>

--- a/samples/pptx/sample.pptx
+++ b/samples/pptx/sample.pptx
@@ -3501,6 +3501,12 @@
             <a:fillRect/>
           </a:stretch>
         </p:blipFill>
+        <p:spPr>
+          <a:xfrm>
+            <a:off x="124200" y="3356451"/>
+            <a:ext cx="2895600" cy="1013460"/>
+          </a:xfrm>
+        </p:spPr>
       </p:pic>
     </p:spTree>
     <p:extLst>

--- a/samples/pptx/sample.pptx
+++ b/samples/pptx/sample.pptx
@@ -13,6 +13,7 @@
     <p:sldId id="257" r:id="rId672"/>
     <p:sldId id="257" r:id="rId673"/>
     <p:sldId id="257" r:id="rId674"/>
+    <p:sldId id="257" r:id="rId675"/>
   </p:sldIdLst>
   <p:sldSz cx="9144000" cy="6858000" type="screen4x3"/>
   <p:notesSz cx="6858000" cy="9144000"/>
@@ -3669,6 +3670,181 @@
     <p:extLst>
       <p:ext uri="{BB962C8B-B14F-4D97-AF65-F5344CB8AC3E}">
         <p14:creationId xmlns:p14="http://schemas.microsoft.com/office/powerpoint/2010/main" val="4058324642"/>
+      </p:ext>
+    </p:extLst>
+  </p:cSld>
+  <p:clrMapOvr>
+    <a:masterClrMapping/>
+  </p:clrMapOvr>
+</p:sld>
+</file>
+
+<file path=ppt/slides/slide9.xml><?xml version="1.0" encoding="utf-8"?>
+<p:sld xmlns:p="http://schemas.openxmlformats.org/presentationml/2006/main" xmlns:a="http://schemas.openxmlformats.org/drawingml/2006/main" xmlns:r="http://schemas.openxmlformats.org/officeDocument/2006/relationships">
+  <p:cSld>
+    <p:spTree>
+      <p:nvGrpSpPr>
+        <p:cNvPr id="1" name=""/>
+        <p:cNvGrpSpPr/>
+        <p:nvPr/>
+      </p:nvGrpSpPr>
+      <p:grpSpPr>
+        <a:xfrm>
+          <a:off x="0" y="0"/>
+          <a:ext cx="0" cy="0"/>
+          <a:chOff x="0" y="0"/>
+          <a:chExt cx="0" cy="0"/>
+        </a:xfrm>
+      </p:grpSpPr>
+      <p:sp>
+        <p:nvSpPr>
+          <p:cNvPr id="2" name="Title 1"/>
+          <p:cNvSpPr>
+            <a:spLocks noGrp="1"/>
+          </p:cNvSpPr>
+          <p:nvPr>
+            <p:ph type="title"/>
+          </p:nvPr>
+        </p:nvSpPr>
+        <p:spPr/>
+        <p:txBody>
+          <a:bodyPr/>
+          <a:lstStyle/>
+          <a:p>
+            <a:r>
+              <a:rPr lang="en-US" dirty="0" smtClean="0"/>
+              <a:t>Table test</a:t>
+            </a:r>
+            <a:endParaRPr lang="en-US" dirty="0"/>
+          </a:p>
+        </p:txBody>
+      </p:sp>
+      <p:graphicFrame>
+        <p:nvGraphicFramePr>
+          <p:cNvPr id="4" name="Content Placeholder 3"/>
+          <p:cNvGraphicFramePr>
+            <a:graphicFrameLocks noGrp="1"/>
+          </p:cNvGraphicFramePr>
+          <p:nvPr>
+            <p:ph idx="1"/>
+            <p:extLst>
+              <p:ext uri="{D42A27DB-BD31-4B8C-83A1-F6EECF244321}">
+                <p14:modId xmlns:p14="http://schemas.microsoft.com/office/powerpoint/2010/main" val="2437754990"/>
+              </p:ext>
+            </p:extLst>
+          </p:nvPr>
+        </p:nvGraphicFramePr>
+        <p:xfrm>
+          <a:off x="457200" y="1600200"/>
+          <a:ext cx="8229600" cy="1010920"/>
+        </p:xfrm>
+        <a:graphic>
+          <a:graphicData uri="http://schemas.openxmlformats.org/drawingml/2006/table">
+            <a:tbl>
+              <a:tblPr firstRow="1" bandRow="">
+                <a:tableStyleId>{5C22544A-7EE6-4342-B048-85BDC9FD1C3A}</a:tableStyleId>
+              </a:tblPr>
+              <a:tblGrid>
+                <a:gridCol w="1645920"/>
+                <a:gridCol w="1645920"/>
+                <a:gridCol w="1645920"/>
+              </a:tblGrid>
+              <a:tr h="370840">
+                <a:tc>
+                  <a:txBody>
+                    <a:bodyPr/>
+                    <a:lstStyle/>
+                    <a:p>
+                      <a:r>
+                        <a:rPr lang="en-US" dirty="0" smtClean="0"/>
+                        <a:t>foo</a:t>
+                      </a:r>
+                      <a:endParaRPr lang="en-US" dirty="0"/>
+                    </a:p>
+                  </a:txBody>
+                  <a:tcPr/>
+                </a:tc>
+                <a:tc>
+                  <a:txBody>
+                    <a:bodyPr/>
+                    <a:lstStyle/>
+                    <a:p>
+                      <a:r>
+                        <a:rPr lang="en-US" dirty="0" smtClean="0"/>
+                        <a:t>bar</a:t>
+                      </a:r>
+                      <a:endParaRPr lang="en-US" dirty="0"/>
+                    </a:p>
+                  </a:txBody>
+                  <a:tcPr/>
+                </a:tc>
+                <a:tc>
+                  <a:txBody>
+                    <a:bodyPr/>
+                    <a:lstStyle/>
+                    <a:p>
+                      <a:r>
+                        <a:rPr lang="en-US" dirty="0" smtClean="0"/>
+                        <a:t>baz</a:t>
+                      </a:r>
+                      <a:endParaRPr lang="en-US" dirty="0"/>
+                    </a:p>
+                  </a:txBody>
+                  <a:tcPr/>
+                </a:tc>
+              </a:tr>
+              <a:tr h="370840">
+                <a:tc>
+                  <a:txBody>
+                    <a:bodyPr/>
+                    <a:lstStyle/>
+                    <a:p>
+                      <a:r>
+                        <a:rPr lang="en-US" dirty="0" smtClean="0"/>
+                        <a:t>1</a:t>
+                      </a:r>
+                      <a:endParaRPr lang="en-US" dirty="0"/>
+                    </a:p>
+                  </a:txBody>
+                  <a:tcPr/>
+                </a:tc>
+                <a:tc>
+                  <a:txBody>
+                    <a:bodyPr/>
+                    <a:lstStyle/>
+                    <a:p>
+                      <a:r>
+                        <a:rPr lang="en-US" dirty="0" smtClean="0"/>
+                        <a:t>2</a:t>
+                      </a:r>
+                      <a:endParaRPr lang="en-US" dirty="0"/>
+                    </a:p>
+                  </a:txBody>
+                  <a:tcPr/>
+                </a:tc>
+                <a:tc>
+                  <a:txBody>
+                    <a:bodyPr/>
+                    <a:lstStyle/>
+                    <a:p>
+                      <a:r>
+                        <a:rPr lang="en-US" dirty="0" smtClean="0"/>
+                        <a:t>3</a:t>
+                      </a:r>
+                      <a:endParaRPr lang="en-US" dirty="0"/>
+                    </a:p>
+                  </a:txBody>
+                  <a:tcPr/>
+                </a:tc>
+              </a:tr>
+            </a:tbl>
+          </a:graphicData>
+        </a:graphic>
+      </p:graphicFrame>
+    </p:spTree>
+    <p:extLst>
+      <p:ext uri="{BB962C8B-B14F-4D97-AF65-F5344CB8AC3E}">
+        <p14:creationId xmlns:p14="http://schemas.microsoft.com/office/powerpoint/2010/main" val="1958185002"/>
       </p:ext>
     </p:extLst>
   </p:cSld>

--- a/samples/pptx/sample.pptx
+++ b/samples/pptx/sample.pptx
@@ -13,6 +13,9 @@
     <p:sldId id="257" r:id="rId672"/>
     <p:sldId id="257" r:id="rId673"/>
     <p:sldId id="257" r:id="rId674"/>
+    <p:sldId id="257" r:id="rId675"/>
+    <p:sldId id="257" r:id="rId676"/>
+    <p:sldId id="257" r:id="rId677"/>
   </p:sldIdLst>
   <p:sldSz cx="9144000" cy="6858000" type="screen4x3"/>
   <p:notesSz cx="6858000" cy="9144000"/>
@@ -3125,6 +3128,274 @@
 </p:sld>
 </file>
 
+<file path=ppt/slides/slide10.xml><?xml version="1.0" encoding="utf-8"?>
+<p:sld xmlns:a="http://schemas.openxmlformats.org/drawingml/2006/main" xmlns:r="http://schemas.openxmlformats.org/officeDocument/2006/relationships" xmlns:p="http://schemas.openxmlformats.org/presentationml/2006/main">
+  <p:cSld>
+    <p:spTree>
+      <p:nvGrpSpPr>
+        <p:cNvPr id="1" name=""/>
+        <p:cNvGrpSpPr/>
+        <p:nvPr/>
+      </p:nvGrpSpPr>
+      <p:grpSpPr>
+        <a:xfrm>
+          <a:off x="0" y="0"/>
+          <a:ext cx="0" cy="0"/>
+          <a:chOff x="0" y="0"/>
+          <a:chExt cx="0" cy="0"/>
+        </a:xfrm>
+      </p:grpSpPr>
+      <p:sp>
+        <p:nvSpPr>
+          <p:cNvPr id="2" name="Title 1"/>
+          <p:cNvSpPr>
+            <a:spLocks noGrp="1"/>
+          </p:cNvSpPr>
+          <p:nvPr>
+            <p:ph type="title"/>
+          </p:nvPr>
+        </p:nvSpPr>
+        <p:spPr/>
+        <p:txBody>
+          <a:bodyPr/>
+          <a:lstStyle/>
+          <a:p>
+            <a:r>
+              <a:rPr lang="en-US" dirty="0" smtClean="0"/>
+              <a:t>Pic with Hash</a:t>
+            </a:r>
+            <a:endParaRPr lang="en-US" dirty="0"/>
+          </a:p>
+        </p:txBody>
+      </p:sp>
+      <p:pic>
+        <p:nvPicPr>
+          <p:cNvPr id="4" name="Content Placeholder 3"/>
+          <p:cNvPicPr>
+            <a:picLocks noGrp="1" noChangeAspect="1"/>
+          </p:cNvPicPr>
+          <p:nvPr>
+            <p:ph idx="1"/>
+          </p:nvPr>
+        </p:nvPicPr>
+        <p:blipFill>
+          <a:blip r:embed="rId2">
+            <a:extLst>
+              <a:ext uri="{28A0092B-C50C-407E-A947-70E740481C1C}">
+                <a14:useLocalDpi xmlns:a14="http://schemas.microsoft.com/office/drawing/2010/main" val="0"/>
+              </a:ext>
+            </a:extLst>
+          </a:blip>
+          <a:stretch>
+            <a:fillRect/>
+          </a:stretch>
+        </p:blipFill>
+        <p:spPr>
+          <a:xfrm>
+            <a:off x="124200" y="2356451"/>
+            <a:ext cx="4000000" cy="4000000"/>
+          </a:xfrm>
+        </p:spPr>
+      </p:pic>
+      <p:sp>
+        <p:nvSpPr>
+          <p:cNvPr id="5" name="Content 1"/>
+          <p:cNvSpPr txBox="1"/>
+          <p:nvPr/>
+        </p:nvSpPr>
+        <p:spPr>
+          <a:xfrm>
+            <a:off x="4490000" y="2556451"/>
+            <a:ext cx="4500000" cy="3000000"/>
+          </a:xfrm>
+          <a:prstGeom prst="rect">
+            <a:avLst/>
+          </a:prstGeom>
+          <a:noFill/>
+        </p:spPr>
+        <p:txBody>
+          <a:bodyPr wrap="square" rtlCol="0">
+            <a:spAutoFit/>
+          </a:bodyPr>
+          <a:lstStyle/>
+          <a:p>
+            <a:r>
+              <a:rPr lang="en-US" b="1" dirty="0" smtClean="0"/>
+              <a:t>Blue:</a:t>
+            </a:r>
+            <a:r>
+              <a:rPr lang="en-US" dirty="0" smtClean="0"/>
+              <a:t> Left</a:t>
+            </a:r>
+            <a:endParaRPr lang="en-US" dirty="0"/>
+          </a:p>
+          <a:p>
+            <a:r>
+              <a:rPr lang="en-US" b="1" dirty="0" smtClean="0"/>
+              <a:t>Green:</a:t>
+            </a:r>
+            <a:r>
+              <a:rPr lang="en-US" dirty="0" smtClean="0"/>
+              <a:t> Right</a:t>
+            </a:r>
+            <a:endParaRPr lang="en-US" dirty="0"/>
+          </a:p>
+          <a:p>
+            <a:r>
+              <a:rPr lang="en-US" b="1" dirty="0" smtClean="0"/>
+              <a:t>Red:</a:t>
+            </a:r>
+            <a:r>
+              <a:rPr lang="en-US" dirty="0" smtClean="0"/>
+              <a:t> Front</a:t>
+            </a:r>
+            <a:endParaRPr lang="en-US" dirty="0"/>
+          </a:p>
+          <a:p>
+            <a:r>
+              <a:rPr lang="en-US" b="1" dirty="0" smtClean="0"/>
+              <a:t>Yellow:</a:t>
+            </a:r>
+            <a:r>
+              <a:rPr lang="en-US" dirty="0" smtClean="0"/>
+              <a:t> Under</a:t>
+            </a:r>
+            <a:endParaRPr lang="en-US" dirty="0"/>
+          </a:p>
+        </p:txBody>
+      </p:sp>
+    </p:spTree>
+    <p:extLst>
+      <p:ext uri="{BB962C8B-B14F-4D97-AF65-F5344CB8AC3E}">
+        <p14:creationId xmlns:p14="http://schemas.microsoft.com/office/powerpoint/2010/main" val="1474098577"/>
+      </p:ext>
+    </p:extLst>
+  </p:cSld>
+  <p:clrMapOvr>
+    <a:masterClrMapping/>
+  </p:clrMapOvr>
+</p:sld>
+</file>
+
+<file path=ppt/slides/slide11.xml><?xml version="1.0" encoding="utf-8"?>
+<p:sld xmlns:a="http://schemas.openxmlformats.org/drawingml/2006/main" xmlns:r="http://schemas.openxmlformats.org/officeDocument/2006/relationships" xmlns:p="http://schemas.openxmlformats.org/presentationml/2006/main">
+  <p:cSld>
+    <p:spTree>
+      <p:nvGrpSpPr>
+        <p:cNvPr id="1" name=""/>
+        <p:cNvGrpSpPr/>
+        <p:nvPr/>
+      </p:nvGrpSpPr>
+      <p:grpSpPr>
+        <a:xfrm>
+          <a:off x="0" y="0"/>
+          <a:ext cx="0" cy="0"/>
+          <a:chOff x="0" y="0"/>
+          <a:chExt cx="0" cy="0"/>
+        </a:xfrm>
+      </p:grpSpPr>
+      <p:sp>
+        <p:nvSpPr>
+          <p:cNvPr id="2" name="Title 1"/>
+          <p:cNvSpPr>
+            <a:spLocks noGrp="1"/>
+          </p:cNvSpPr>
+          <p:nvPr>
+            <p:ph type="title"/>
+          </p:nvPr>
+        </p:nvSpPr>
+        <p:spPr/>
+        <p:txBody>
+          <a:bodyPr/>
+          <a:lstStyle/>
+          <a:p>
+            <a:r>
+              <a:rPr lang="en-US" dirty="0" smtClean="0"/>
+              <a:t>Pic with Array</a:t>
+            </a:r>
+            <a:endParaRPr lang="en-US" dirty="0"/>
+          </a:p>
+        </p:txBody>
+      </p:sp>
+      <p:pic>
+        <p:nvPicPr>
+          <p:cNvPr id="4" name="Content Placeholder 3"/>
+          <p:cNvPicPr>
+            <a:picLocks noGrp="1" noChangeAspect="1"/>
+          </p:cNvPicPr>
+          <p:nvPr>
+            <p:ph idx="1"/>
+          </p:nvPr>
+        </p:nvPicPr>
+        <p:blipFill>
+          <a:blip r:embed="rId2">
+            <a:extLst>
+              <a:ext uri="{28A0092B-C50C-407E-A947-70E740481C1C}">
+                <a14:useLocalDpi xmlns:a14="http://schemas.microsoft.com/office/drawing/2010/main" val="0"/>
+              </a:ext>
+            </a:extLst>
+          </a:blip>
+          <a:stretch>
+            <a:fillRect/>
+          </a:stretch>
+        </p:blipFill>
+        <p:spPr>
+          <a:xfrm>
+            <a:off x="124200" y="2356451"/>
+            <a:ext cx="4000000" cy="4000000"/>
+          </a:xfrm>
+        </p:spPr>
+      </p:pic>
+      <p:sp>
+        <p:nvSpPr>
+          <p:cNvPr id="5" name="Content 1"/>
+          <p:cNvSpPr txBox="1"/>
+          <p:nvPr/>
+        </p:nvSpPr>
+        <p:spPr>
+          <a:xfrm>
+            <a:off x="4490000" y="2556451"/>
+            <a:ext cx="4500000" cy="3000000"/>
+          </a:xfrm>
+          <a:prstGeom prst="rect">
+            <a:avLst/>
+          </a:prstGeom>
+          <a:noFill/>
+        </p:spPr>
+        <p:txBody>
+          <a:bodyPr wrap="square" rtlCol="0">
+            <a:spAutoFit/>
+          </a:bodyPr>
+          <a:lstStyle/>
+          <a:p>
+            <a:r>
+              <a:rPr lang="en-US" dirty="0" smtClean="0"/>
+              <a:t>Beautiful!</a:t>
+            </a:r>
+            <a:endParaRPr lang="en-US" dirty="0"/>
+          </a:p>
+          <a:p>
+            <a:r>
+              <a:rPr lang="en-US" dirty="0" smtClean="0"/>
+              <a:t>Giant!</a:t>
+            </a:r>
+            <a:endParaRPr lang="en-US" dirty="0"/>
+          </a:p>
+        </p:txBody>
+      </p:sp>
+    </p:spTree>
+    <p:extLst>
+      <p:ext uri="{BB962C8B-B14F-4D97-AF65-F5344CB8AC3E}">
+        <p14:creationId xmlns:p14="http://schemas.microsoft.com/office/powerpoint/2010/main" val="1474098577"/>
+      </p:ext>
+    </p:extLst>
+  </p:cSld>
+  <p:clrMapOvr>
+    <a:masterClrMapping/>
+  </p:clrMapOvr>
+</p:sld>
+</file>
+
 <file path=ppt/slides/slide2.xml><?xml version="1.0" encoding="utf-8"?>
 <p:sld xmlns:a="http://schemas.openxmlformats.org/drawingml/2006/main" xmlns:r="http://schemas.openxmlformats.org/officeDocument/2006/relationships" xmlns:p="http://schemas.openxmlformats.org/presentationml/2006/main">
   <p:cSld>
@@ -3669,6 +3940,118 @@
     <p:extLst>
       <p:ext uri="{BB962C8B-B14F-4D97-AF65-F5344CB8AC3E}">
         <p14:creationId xmlns:p14="http://schemas.microsoft.com/office/powerpoint/2010/main" val="4058324642"/>
+      </p:ext>
+    </p:extLst>
+  </p:cSld>
+  <p:clrMapOvr>
+    <a:masterClrMapping/>
+  </p:clrMapOvr>
+</p:sld>
+</file>
+
+<file path=ppt/slides/slide9.xml><?xml version="1.0" encoding="utf-8"?>
+<p:sld xmlns:a="http://schemas.openxmlformats.org/drawingml/2006/main" xmlns:r="http://schemas.openxmlformats.org/officeDocument/2006/relationships" xmlns:p="http://schemas.openxmlformats.org/presentationml/2006/main">
+  <p:cSld>
+    <p:spTree>
+      <p:nvGrpSpPr>
+        <p:cNvPr id="1" name=""/>
+        <p:cNvGrpSpPr/>
+        <p:nvPr/>
+      </p:nvGrpSpPr>
+      <p:grpSpPr>
+        <a:xfrm>
+          <a:off x="0" y="0"/>
+          <a:ext cx="0" cy="0"/>
+          <a:chOff x="0" y="0"/>
+          <a:chExt cx="0" cy="0"/>
+        </a:xfrm>
+      </p:grpSpPr>
+      <p:sp>
+        <p:nvSpPr>
+          <p:cNvPr id="2" name="Title 1"/>
+          <p:cNvSpPr>
+            <a:spLocks noGrp="1"/>
+          </p:cNvSpPr>
+          <p:nvPr>
+            <p:ph type="title"/>
+          </p:nvPr>
+        </p:nvSpPr>
+        <p:spPr/>
+        <p:txBody>
+          <a:bodyPr/>
+          <a:lstStyle/>
+          <a:p>
+            <a:r>
+              <a:rPr lang="en-US" dirty="0" smtClean="0"/>
+              <a:t>Pic with String</a:t>
+            </a:r>
+            <a:endParaRPr lang="en-US" dirty="0"/>
+          </a:p>
+        </p:txBody>
+      </p:sp>
+      <p:pic>
+        <p:nvPicPr>
+          <p:cNvPr id="4" name="Content Placeholder 3"/>
+          <p:cNvPicPr>
+            <a:picLocks noGrp="1" noChangeAspect="1"/>
+          </p:cNvPicPr>
+          <p:nvPr>
+            <p:ph idx="1"/>
+          </p:nvPr>
+        </p:nvPicPr>
+        <p:blipFill>
+          <a:blip r:embed="rId2">
+            <a:extLst>
+              <a:ext uri="{28A0092B-C50C-407E-A947-70E740481C1C}">
+                <a14:useLocalDpi xmlns:a14="http://schemas.microsoft.com/office/drawing/2010/main" val="0"/>
+              </a:ext>
+            </a:extLst>
+          </a:blip>
+          <a:stretch>
+            <a:fillRect/>
+          </a:stretch>
+        </p:blipFill>
+        <p:spPr>
+          <a:xfrm>
+            <a:off x="124200" y="2356451"/>
+            <a:ext cx="4000000" cy="4000000"/>
+          </a:xfrm>
+        </p:spPr>
+      </p:pic>
+      <p:sp>
+        <p:nvSpPr>
+          <p:cNvPr id="5" name="Content 1"/>
+          <p:cNvSpPr txBox="1"/>
+          <p:nvPr/>
+        </p:nvSpPr>
+        <p:spPr>
+          <a:xfrm>
+            <a:off x="4490000" y="2556451"/>
+            <a:ext cx="4500000" cy="3000000"/>
+          </a:xfrm>
+          <a:prstGeom prst="rect">
+            <a:avLst/>
+          </a:prstGeom>
+          <a:noFill/>
+        </p:spPr>
+        <p:txBody>
+          <a:bodyPr wrap="square" rtlCol="0">
+            <a:spAutoFit/>
+          </a:bodyPr>
+          <a:lstStyle/>
+          <a:p>
+            <a:r>
+              <a:rPr lang="en-US" dirty="0" smtClean="0"/>
+              <a:t>This is the logo of Google!</a:t>
+            </a:r>
+            <a:endParaRPr lang="en-US" dirty="0"/>
+          </a:p>
+        </p:txBody>
+      </p:sp>
+    </p:spTree>
+    <p:extLst>
+      <p:ext uri="{BB962C8B-B14F-4D97-AF65-F5344CB8AC3E}">
+        <p14:creationId xmlns:p14="http://schemas.microsoft.com/office/powerpoint/2010/main" val="1474098577"/>
       </p:ext>
     </p:extLst>
   </p:cSld>

--- a/samples/pptx/sample.pptx
+++ b/samples/pptx/sample.pptx
@@ -1,18 +1,17 @@
 
 <file path=ppt/presentation.xml><?xml version="1.0" encoding="utf-8"?>
-<p:presentation xmlns:a="http://schemas.openxmlformats.org/drawingml/2006/main" xmlns:r="http://schemas.openxmlformats.org/officeDocument/2006/relationships" xmlns:p="http://schemas.openxmlformats.org/presentationml/2006/main" saveSubsetFonts="1">
+<p:presentation xmlns:a="http://schemas.openxmlformats.org/drawingml/2006/main" xmlns:p="http://schemas.openxmlformats.org/presentationml/2006/main" xmlns:r="http://schemas.openxmlformats.org/officeDocument/2006/relationships" saveSubsetFonts="1">
   <p:sldMasterIdLst>
     <p:sldMasterId id="2147483648" r:id="rId1"/>
   </p:sldMasterIdLst>
   <p:sldIdLst>
-    <p:sldId id="256" r:id="rId2"/>
-    <p:sldId id="257" r:id="rId3"/>
-    <p:sldId id="257" r:id="rId669"/>
-    <p:sldId id="257" r:id="rId670"/>
-    <p:sldId id="257" r:id="rId671"/>
-    <p:sldId id="257" r:id="rId672"/>
-    <p:sldId id="257" r:id="rId673"/>
-    <p:sldId id="257" r:id="rId674"/>
+    <p:sldId id="256" r:id="rId6"/>
+    <p:sldId id="257" r:id="rId7"/>
+    <p:sldId id="258" r:id="rId8"/>
+    <p:sldId id="259" r:id="rId9"/>
+    <p:sldId id="260" r:id="rId10"/>
+    <p:sldId id="261" r:id="rId11"/>
+    <p:sldId id="262" r:id="rId12"/>
   </p:sldIdLst>
   <p:sldSz cx="9144000" cy="6858000" type="screen4x3"/>
   <p:notesSz cx="6858000" cy="9144000"/>
@@ -20,8 +19,8 @@
     <a:defPPr>
       <a:defRPr lang="en-US"/>
     </a:defPPr>
-    <a:lvl1pPr marL="0" algn="l" defTabSz="914400" rtl="0" eaLnBrk="1" latinLnBrk="0" hangingPunct="1">
-      <a:defRPr sz="1800" kern="1200">
+    <a:lvl1pPr algn="l" defTabSz="914400" eaLnBrk="1" hangingPunct="1" latinLnBrk="0" marL="0" rtl="0">
+      <a:defRPr kern="1200" sz="1800">
         <a:solidFill>
           <a:schemeClr val="tx1"/>
         </a:solidFill>
@@ -30,8 +29,8 @@
         <a:cs typeface="+mn-cs"/>
       </a:defRPr>
     </a:lvl1pPr>
-    <a:lvl2pPr marL="457200" algn="l" defTabSz="914400" rtl="0" eaLnBrk="1" latinLnBrk="0" hangingPunct="1">
-      <a:defRPr sz="1800" kern="1200">
+    <a:lvl2pPr algn="l" defTabSz="914400" eaLnBrk="1" hangingPunct="1" latinLnBrk="0" marL="457200" rtl="0">
+      <a:defRPr kern="1200" sz="1800">
         <a:solidFill>
           <a:schemeClr val="tx1"/>
         </a:solidFill>
@@ -40,8 +39,8 @@
         <a:cs typeface="+mn-cs"/>
       </a:defRPr>
     </a:lvl2pPr>
-    <a:lvl3pPr marL="914400" algn="l" defTabSz="914400" rtl="0" eaLnBrk="1" latinLnBrk="0" hangingPunct="1">
-      <a:defRPr sz="1800" kern="1200">
+    <a:lvl3pPr algn="l" defTabSz="914400" eaLnBrk="1" hangingPunct="1" latinLnBrk="0" marL="914400" rtl="0">
+      <a:defRPr kern="1200" sz="1800">
         <a:solidFill>
           <a:schemeClr val="tx1"/>
         </a:solidFill>
@@ -50,8 +49,8 @@
         <a:cs typeface="+mn-cs"/>
       </a:defRPr>
     </a:lvl3pPr>
-    <a:lvl4pPr marL="1371600" algn="l" defTabSz="914400" rtl="0" eaLnBrk="1" latinLnBrk="0" hangingPunct="1">
-      <a:defRPr sz="1800" kern="1200">
+    <a:lvl4pPr algn="l" defTabSz="914400" eaLnBrk="1" hangingPunct="1" latinLnBrk="0" marL="1371600" rtl="0">
+      <a:defRPr kern="1200" sz="1800">
         <a:solidFill>
           <a:schemeClr val="tx1"/>
         </a:solidFill>
@@ -60,8 +59,8 @@
         <a:cs typeface="+mn-cs"/>
       </a:defRPr>
     </a:lvl4pPr>
-    <a:lvl5pPr marL="1828800" algn="l" defTabSz="914400" rtl="0" eaLnBrk="1" latinLnBrk="0" hangingPunct="1">
-      <a:defRPr sz="1800" kern="1200">
+    <a:lvl5pPr algn="l" defTabSz="914400" eaLnBrk="1" hangingPunct="1" latinLnBrk="0" marL="1828800" rtl="0">
+      <a:defRPr kern="1200" sz="1800">
         <a:solidFill>
           <a:schemeClr val="tx1"/>
         </a:solidFill>
@@ -70,8 +69,8 @@
         <a:cs typeface="+mn-cs"/>
       </a:defRPr>
     </a:lvl5pPr>
-    <a:lvl6pPr marL="2286000" algn="l" defTabSz="914400" rtl="0" eaLnBrk="1" latinLnBrk="0" hangingPunct="1">
-      <a:defRPr sz="1800" kern="1200">
+    <a:lvl6pPr algn="l" defTabSz="914400" eaLnBrk="1" hangingPunct="1" latinLnBrk="0" marL="2286000" rtl="0">
+      <a:defRPr kern="1200" sz="1800">
         <a:solidFill>
           <a:schemeClr val="tx1"/>
         </a:solidFill>
@@ -80,8 +79,8 @@
         <a:cs typeface="+mn-cs"/>
       </a:defRPr>
     </a:lvl6pPr>
-    <a:lvl7pPr marL="2743200" algn="l" defTabSz="914400" rtl="0" eaLnBrk="1" latinLnBrk="0" hangingPunct="1">
-      <a:defRPr sz="1800" kern="1200">
+    <a:lvl7pPr algn="l" defTabSz="914400" eaLnBrk="1" hangingPunct="1" latinLnBrk="0" marL="2743200" rtl="0">
+      <a:defRPr kern="1200" sz="1800">
         <a:solidFill>
           <a:schemeClr val="tx1"/>
         </a:solidFill>
@@ -90,8 +89,8 @@
         <a:cs typeface="+mn-cs"/>
       </a:defRPr>
     </a:lvl7pPr>
-    <a:lvl8pPr marL="3200400" algn="l" defTabSz="914400" rtl="0" eaLnBrk="1" latinLnBrk="0" hangingPunct="1">
-      <a:defRPr sz="1800" kern="1200">
+    <a:lvl8pPr algn="l" defTabSz="914400" eaLnBrk="1" hangingPunct="1" latinLnBrk="0" marL="3200400" rtl="0">
+      <a:defRPr kern="1200" sz="1800">
         <a:solidFill>
           <a:schemeClr val="tx1"/>
         </a:solidFill>
@@ -100,8 +99,8 @@
         <a:cs typeface="+mn-cs"/>
       </a:defRPr>
     </a:lvl8pPr>
-    <a:lvl9pPr marL="3657600" algn="l" defTabSz="914400" rtl="0" eaLnBrk="1" latinLnBrk="0" hangingPunct="1">
-      <a:defRPr sz="1800" kern="1200">
+    <a:lvl9pPr algn="l" defTabSz="914400" eaLnBrk="1" hangingPunct="1" latinLnBrk="0" marL="3657600" rtl="0">
+      <a:defRPr kern="1200" sz="1800">
         <a:solidFill>
           <a:schemeClr val="tx1"/>
         </a:solidFill>
@@ -111,11 +110,27 @@
       </a:defRPr>
     </a:lvl9pPr>
   </p:defaultTextStyle>
+  <p:extLst>
+    <p:ext uri="{EFAFB233-063F-42B5-8137-9DF3F51BA10A}">
+      <p15:sldGuideLst xmlns:p15="http://schemas.microsoft.com/office/powerpoint/2012/main">
+        <p15:guide id="1" orient="horz" pos="2160">
+          <p15:clr>
+            <a:srgbClr val="A4A3A4"/>
+          </p15:clr>
+        </p15:guide>
+        <p15:guide id="2" pos="2880">
+          <p15:clr>
+            <a:srgbClr val="A4A3A4"/>
+          </p15:clr>
+        </p15:guide>
+      </p15:sldGuideLst>
+    </p:ext>
+  </p:extLst>
 </p:presentation>
 </file>
 
 <file path=ppt/slideLayouts/slideLayout1.xml><?xml version="1.0" encoding="utf-8"?>
-<p:sldLayout xmlns:a="http://schemas.openxmlformats.org/drawingml/2006/main" xmlns:r="http://schemas.openxmlformats.org/officeDocument/2006/relationships" xmlns:p="http://schemas.openxmlformats.org/presentationml/2006/main" type="title" preserve="1">
+<p:sldLayout xmlns:a="http://schemas.openxmlformats.org/drawingml/2006/main" xmlns:p="http://schemas.openxmlformats.org/presentationml/2006/main" xmlns:r="http://schemas.openxmlformats.org/officeDocument/2006/relationships" preserve="1" type="title">
   <p:cSld name="Title Slide">
     <p:spTree>
       <p:nvGrpSpPr>
@@ -166,7 +181,7 @@
             <a:spLocks noGrp="1"/>
           </p:cNvSpPr>
           <p:nvPr>
-            <p:ph type="subTitle" idx="1"/>
+            <p:ph idx="1" type="subTitle"/>
           </p:nvPr>
         </p:nvSpPr>
         <p:spPr>
@@ -178,7 +193,7 @@
         <p:txBody>
           <a:bodyPr/>
           <a:lstStyle>
-            <a:lvl1pPr marL="0" indent="0" algn="ctr">
+            <a:lvl1pPr algn="ctr" indent="0" marL="0">
               <a:buNone/>
               <a:defRPr>
                 <a:solidFill>
@@ -188,7 +203,7 @@
                 </a:solidFill>
               </a:defRPr>
             </a:lvl1pPr>
-            <a:lvl2pPr marL="457200" indent="0" algn="ctr">
+            <a:lvl2pPr algn="ctr" indent="0" marL="457200">
               <a:buNone/>
               <a:defRPr>
                 <a:solidFill>
@@ -198,7 +213,7 @@
                 </a:solidFill>
               </a:defRPr>
             </a:lvl2pPr>
-            <a:lvl3pPr marL="914400" indent="0" algn="ctr">
+            <a:lvl3pPr algn="ctr" indent="0" marL="914400">
               <a:buNone/>
               <a:defRPr>
                 <a:solidFill>
@@ -208,7 +223,7 @@
                 </a:solidFill>
               </a:defRPr>
             </a:lvl3pPr>
-            <a:lvl4pPr marL="1371600" indent="0" algn="ctr">
+            <a:lvl4pPr algn="ctr" indent="0" marL="1371600">
               <a:buNone/>
               <a:defRPr>
                 <a:solidFill>
@@ -218,7 +233,7 @@
                 </a:solidFill>
               </a:defRPr>
             </a:lvl4pPr>
-            <a:lvl5pPr marL="1828800" indent="0" algn="ctr">
+            <a:lvl5pPr algn="ctr" indent="0" marL="1828800">
               <a:buNone/>
               <a:defRPr>
                 <a:solidFill>
@@ -228,7 +243,7 @@
                 </a:solidFill>
               </a:defRPr>
             </a:lvl5pPr>
-            <a:lvl6pPr marL="2286000" indent="0" algn="ctr">
+            <a:lvl6pPr algn="ctr" indent="0" marL="2286000">
               <a:buNone/>
               <a:defRPr>
                 <a:solidFill>
@@ -238,7 +253,7 @@
                 </a:solidFill>
               </a:defRPr>
             </a:lvl6pPr>
-            <a:lvl7pPr marL="2743200" indent="0" algn="ctr">
+            <a:lvl7pPr algn="ctr" indent="0" marL="2743200">
               <a:buNone/>
               <a:defRPr>
                 <a:solidFill>
@@ -248,7 +263,7 @@
                 </a:solidFill>
               </a:defRPr>
             </a:lvl7pPr>
-            <a:lvl8pPr marL="3200400" indent="0" algn="ctr">
+            <a:lvl8pPr algn="ctr" indent="0" marL="3200400">
               <a:buNone/>
               <a:defRPr>
                 <a:solidFill>
@@ -258,7 +273,7 @@
                 </a:solidFill>
               </a:defRPr>
             </a:lvl8pPr>
-            <a:lvl9pPr marL="3657600" indent="0" algn="ctr">
+            <a:lvl9pPr algn="ctr" indent="0" marL="3657600">
               <a:buNone/>
               <a:defRPr>
                 <a:solidFill>
@@ -285,7 +300,7 @@
             <a:spLocks noGrp="1"/>
           </p:cNvSpPr>
           <p:nvPr>
-            <p:ph type="dt" sz="half" idx="10"/>
+            <p:ph idx="10" sz="half" type="dt"/>
           </p:nvPr>
         </p:nvSpPr>
         <p:spPr/>
@@ -296,7 +311,7 @@
             <a:fld id="{1D8BD707-D9CF-40AE-B4C6-C98DA3205C09}" type="datetimeFigureOut">
               <a:rPr lang="en-US" smtClean="0"/>
               <a:pPr/>
-              <a:t>3/11/2014</a:t>
+              <a:t>7/14/15</a:t>
             </a:fld>
             <a:endParaRPr lang="en-US"/>
           </a:p>
@@ -309,7 +324,7 @@
             <a:spLocks noGrp="1"/>
           </p:cNvSpPr>
           <p:nvPr>
-            <p:ph type="ftr" sz="quarter" idx="11"/>
+            <p:ph idx="11" sz="quarter" type="ftr"/>
           </p:nvPr>
         </p:nvSpPr>
         <p:spPr/>
@@ -328,7 +343,7 @@
             <a:spLocks noGrp="1"/>
           </p:cNvSpPr>
           <p:nvPr>
-            <p:ph type="sldNum" sz="quarter" idx="12"/>
+            <p:ph idx="12" sz="quarter" type="sldNum"/>
           </p:nvPr>
         </p:nvSpPr>
         <p:spPr/>
@@ -463,7 +478,7 @@
             <a:fld id="{1D8BD707-D9CF-40AE-B4C6-C98DA3205C09}" type="datetimeFigureOut">
               <a:rPr lang="en-US" smtClean="0"/>
               <a:pPr/>
-              <a:t>3/11/2014</a:t>
+              <a:t>7/14/15</a:t>
             </a:fld>
             <a:endParaRPr lang="en-US"/>
           </a:p>
@@ -640,7 +655,7 @@
             <a:fld id="{1D8BD707-D9CF-40AE-B4C6-C98DA3205C09}" type="datetimeFigureOut">
               <a:rPr lang="en-US" smtClean="0"/>
               <a:pPr/>
-              <a:t>3/11/2014</a:t>
+              <a:t>7/14/15</a:t>
             </a:fld>
             <a:endParaRPr lang="en-US"/>
           </a:p>
@@ -698,7 +713,7 @@
 </file>
 
 <file path=ppt/slideLayouts/slideLayout2.xml><?xml version="1.0" encoding="utf-8"?>
-<p:sldLayout xmlns:a="http://schemas.openxmlformats.org/drawingml/2006/main" xmlns:r="http://schemas.openxmlformats.org/officeDocument/2006/relationships" xmlns:p="http://schemas.openxmlformats.org/presentationml/2006/main" type="obj" preserve="1">
+<p:sldLayout xmlns:a="http://schemas.openxmlformats.org/drawingml/2006/main" xmlns:p="http://schemas.openxmlformats.org/presentationml/2006/main" xmlns:r="http://schemas.openxmlformats.org/officeDocument/2006/relationships" preserve="1" type="obj">
   <p:cSld name="Title and Content">
     <p:spTree>
       <p:nvGrpSpPr>
@@ -796,7 +811,7 @@
             <a:spLocks noGrp="1"/>
           </p:cNvSpPr>
           <p:nvPr>
-            <p:ph type="dt" sz="half" idx="10"/>
+            <p:ph idx="10" sz="half" type="dt"/>
           </p:nvPr>
         </p:nvSpPr>
         <p:spPr/>
@@ -807,7 +822,7 @@
             <a:fld id="{1D8BD707-D9CF-40AE-B4C6-C98DA3205C09}" type="datetimeFigureOut">
               <a:rPr lang="en-US" smtClean="0"/>
               <a:pPr/>
-              <a:t>3/11/2014</a:t>
+              <a:t>7/14/15</a:t>
             </a:fld>
             <a:endParaRPr lang="en-US"/>
           </a:p>
@@ -820,7 +835,7 @@
             <a:spLocks noGrp="1"/>
           </p:cNvSpPr>
           <p:nvPr>
-            <p:ph type="ftr" sz="quarter" idx="11"/>
+            <p:ph idx="11" sz="quarter" type="ftr"/>
           </p:nvPr>
         </p:nvSpPr>
         <p:spPr/>
@@ -839,7 +854,7 @@
             <a:spLocks noGrp="1"/>
           </p:cNvSpPr>
           <p:nvPr>
-            <p:ph type="sldNum" sz="quarter" idx="12"/>
+            <p:ph idx="12" sz="quarter" type="sldNum"/>
           </p:nvPr>
         </p:nvSpPr>
         <p:spPr/>
@@ -1050,7 +1065,7 @@
             <a:fld id="{1D8BD707-D9CF-40AE-B4C6-C98DA3205C09}" type="datetimeFigureOut">
               <a:rPr lang="en-US" smtClean="0"/>
               <a:pPr/>
-              <a:t>3/11/2014</a:t>
+              <a:t>7/14/15</a:t>
             </a:fld>
             <a:endParaRPr lang="en-US"/>
           </a:p>
@@ -1335,7 +1350,7 @@
             <a:fld id="{1D8BD707-D9CF-40AE-B4C6-C98DA3205C09}" type="datetimeFigureOut">
               <a:rPr lang="en-US" smtClean="0"/>
               <a:pPr/>
-              <a:t>3/11/2014</a:t>
+              <a:t>7/14/15</a:t>
             </a:fld>
             <a:endParaRPr lang="en-US"/>
           </a:p>
@@ -1754,7 +1769,7 @@
             <a:fld id="{1D8BD707-D9CF-40AE-B4C6-C98DA3205C09}" type="datetimeFigureOut">
               <a:rPr lang="en-US" smtClean="0"/>
               <a:pPr/>
-              <a:t>3/11/2014</a:t>
+              <a:t>7/14/15</a:t>
             </a:fld>
             <a:endParaRPr lang="en-US"/>
           </a:p>
@@ -1869,7 +1884,7 @@
             <a:fld id="{1D8BD707-D9CF-40AE-B4C6-C98DA3205C09}" type="datetimeFigureOut">
               <a:rPr lang="en-US" smtClean="0"/>
               <a:pPr/>
-              <a:t>3/11/2014</a:t>
+              <a:t>7/14/15</a:t>
             </a:fld>
             <a:endParaRPr lang="en-US"/>
           </a:p>
@@ -1961,7 +1976,7 @@
             <a:fld id="{1D8BD707-D9CF-40AE-B4C6-C98DA3205C09}" type="datetimeFigureOut">
               <a:rPr lang="en-US" smtClean="0"/>
               <a:pPr/>
-              <a:t>3/11/2014</a:t>
+              <a:t>7/14/15</a:t>
             </a:fld>
             <a:endParaRPr lang="en-US"/>
           </a:p>
@@ -2235,7 +2250,7 @@
             <a:fld id="{1D8BD707-D9CF-40AE-B4C6-C98DA3205C09}" type="datetimeFigureOut">
               <a:rPr lang="en-US" smtClean="0"/>
               <a:pPr/>
-              <a:t>3/11/2014</a:t>
+              <a:t>7/14/15</a:t>
             </a:fld>
             <a:endParaRPr lang="en-US"/>
           </a:p>
@@ -2485,7 +2500,7 @@
             <a:fld id="{1D8BD707-D9CF-40AE-B4C6-C98DA3205C09}" type="datetimeFigureOut">
               <a:rPr lang="en-US" smtClean="0"/>
               <a:pPr/>
-              <a:t>3/11/2014</a:t>
+              <a:t>7/14/15</a:t>
             </a:fld>
             <a:endParaRPr lang="en-US"/>
           </a:p>
@@ -2543,7 +2558,7 @@
 </file>
 
 <file path=ppt/slideMasters/slideMaster1.xml><?xml version="1.0" encoding="utf-8"?>
-<p:sldMaster xmlns:a="http://schemas.openxmlformats.org/drawingml/2006/main" xmlns:r="http://schemas.openxmlformats.org/officeDocument/2006/relationships" xmlns:p="http://schemas.openxmlformats.org/presentationml/2006/main">
+<p:sldMaster xmlns:a="http://schemas.openxmlformats.org/drawingml/2006/main" xmlns:p="http://schemas.openxmlformats.org/presentationml/2006/main" xmlns:r="http://schemas.openxmlformats.org/officeDocument/2006/relationships">
   <p:cSld>
     <p:bg>
       <p:bgRef idx="1001">
@@ -2584,7 +2599,7 @@
           </a:prstGeom>
         </p:spPr>
         <p:txBody>
-          <a:bodyPr vert="horz" lIns="91440" tIns="45720" rIns="91440" bIns="45720" rtlCol="0" anchor="ctr">
+          <a:bodyPr anchor="ctr" bIns="45720" lIns="91440" rIns="91440" rtlCol="0" tIns="45720" vert="horz">
             <a:normAutofit/>
           </a:bodyPr>
           <a:lstStyle/>
@@ -2604,7 +2619,7 @@
             <a:spLocks noGrp="1"/>
           </p:cNvSpPr>
           <p:nvPr>
-            <p:ph type="body" idx="1"/>
+            <p:ph idx="1" type="body"/>
           </p:nvPr>
         </p:nvSpPr>
         <p:spPr>
@@ -2617,7 +2632,7 @@
           </a:prstGeom>
         </p:spPr>
         <p:txBody>
-          <a:bodyPr vert="horz" lIns="91440" tIns="45720" rIns="91440" bIns="45720" rtlCol="0">
+          <a:bodyPr bIns="45720" lIns="91440" rIns="91440" rtlCol="0" tIns="45720" vert="horz">
             <a:normAutofit/>
           </a:bodyPr>
           <a:lstStyle/>
@@ -2666,7 +2681,7 @@
             <a:spLocks noGrp="1"/>
           </p:cNvSpPr>
           <p:nvPr>
-            <p:ph type="dt" sz="half" idx="2"/>
+            <p:ph idx="2" sz="half" type="dt"/>
           </p:nvPr>
         </p:nvSpPr>
         <p:spPr>
@@ -2679,7 +2694,7 @@
           </a:prstGeom>
         </p:spPr>
         <p:txBody>
-          <a:bodyPr vert="horz" lIns="91440" tIns="45720" rIns="91440" bIns="45720" rtlCol="0" anchor="ctr"/>
+          <a:bodyPr anchor="ctr" bIns="45720" lIns="91440" rIns="91440" rtlCol="0" tIns="45720" vert="horz"/>
           <a:lstStyle>
             <a:lvl1pPr algn="l">
               <a:defRPr sz="1200">
@@ -2695,7 +2710,7 @@
             <a:fld id="{1D8BD707-D9CF-40AE-B4C6-C98DA3205C09}" type="datetimeFigureOut">
               <a:rPr lang="en-US" smtClean="0"/>
               <a:pPr/>
-              <a:t>3/11/2014</a:t>
+              <a:t>7/14/15</a:t>
             </a:fld>
             <a:endParaRPr lang="en-US"/>
           </a:p>
@@ -2708,7 +2723,7 @@
             <a:spLocks noGrp="1"/>
           </p:cNvSpPr>
           <p:nvPr>
-            <p:ph type="ftr" sz="quarter" idx="3"/>
+            <p:ph idx="3" sz="quarter" type="ftr"/>
           </p:nvPr>
         </p:nvSpPr>
         <p:spPr>
@@ -2721,7 +2736,7 @@
           </a:prstGeom>
         </p:spPr>
         <p:txBody>
-          <a:bodyPr vert="horz" lIns="91440" tIns="45720" rIns="91440" bIns="45720" rtlCol="0" anchor="ctr"/>
+          <a:bodyPr anchor="ctr" bIns="45720" lIns="91440" rIns="91440" rtlCol="0" tIns="45720" vert="horz"/>
           <a:lstStyle>
             <a:lvl1pPr algn="ctr">
               <a:defRPr sz="1200">
@@ -2745,7 +2760,7 @@
             <a:spLocks noGrp="1"/>
           </p:cNvSpPr>
           <p:nvPr>
-            <p:ph type="sldNum" sz="quarter" idx="4"/>
+            <p:ph idx="4" sz="quarter" type="sldNum"/>
           </p:nvPr>
         </p:nvSpPr>
         <p:spPr>
@@ -2758,7 +2773,7 @@
           </a:prstGeom>
         </p:spPr>
         <p:txBody>
-          <a:bodyPr vert="horz" lIns="91440" tIns="45720" rIns="91440" bIns="45720" rtlCol="0" anchor="ctr"/>
+          <a:bodyPr anchor="ctr" bIns="45720" lIns="91440" rIns="91440" rtlCol="0" tIns="45720" vert="horz"/>
           <a:lstStyle>
             <a:lvl1pPr algn="r">
               <a:defRPr sz="1200">
@@ -2782,7 +2797,7 @@
       </p:sp>
     </p:spTree>
   </p:cSld>
-  <p:clrMap bg1="lt1" tx1="dk1" bg2="lt2" tx2="dk2" accent1="accent1" accent2="accent2" accent3="accent3" accent4="accent4" accent5="accent5" accent6="accent6" hlink="hlink" folHlink="folHlink"/>
+  <p:clrMap accent1="accent1" accent2="accent2" accent3="accent3" accent4="accent4" accent5="accent5" accent6="accent6" bg1="lt1" bg2="lt2" folHlink="folHlink" hlink="hlink" tx1="dk1" tx2="dk2"/>
   <p:sldLayoutIdLst>
     <p:sldLayoutId id="2147483649" r:id="rId1"/>
     <p:sldLayoutId id="2147483650" r:id="rId2"/>
@@ -2798,12 +2813,12 @@
   </p:sldLayoutIdLst>
   <p:txStyles>
     <p:titleStyle>
-      <a:lvl1pPr algn="ctr" defTabSz="914400" rtl="0" eaLnBrk="1" latinLnBrk="0" hangingPunct="1">
+      <a:lvl1pPr algn="ctr" defTabSz="914400" eaLnBrk="1" hangingPunct="1" latinLnBrk="0" rtl="0">
         <a:spcBef>
           <a:spcPct val="0"/>
         </a:spcBef>
         <a:buNone/>
-        <a:defRPr sz="4400" kern="1200">
+        <a:defRPr kern="1200" sz="4400">
           <a:solidFill>
             <a:schemeClr val="tx1"/>
           </a:solidFill>
@@ -2814,13 +2829,13 @@
       </a:lvl1pPr>
     </p:titleStyle>
     <p:bodyStyle>
-      <a:lvl1pPr marL="342900" indent="-342900" algn="l" defTabSz="914400" rtl="0" eaLnBrk="1" latinLnBrk="0" hangingPunct="1">
+      <a:lvl1pPr algn="l" defTabSz="914400" eaLnBrk="1" hangingPunct="1" indent="-342900" latinLnBrk="0" marL="342900" rtl="0">
         <a:spcBef>
           <a:spcPct val="20000"/>
         </a:spcBef>
-        <a:buFont typeface="Arial" pitchFamily="34" charset="0"/>
+        <a:buFont charset="0" pitchFamily="34" typeface="Arial"/>
         <a:buChar char="•"/>
-        <a:defRPr sz="3200" kern="1200">
+        <a:defRPr kern="1200" sz="3200">
           <a:solidFill>
             <a:schemeClr val="tx1"/>
           </a:solidFill>
@@ -2829,13 +2844,13 @@
           <a:cs typeface="+mn-cs"/>
         </a:defRPr>
       </a:lvl1pPr>
-      <a:lvl2pPr marL="742950" indent="-285750" algn="l" defTabSz="914400" rtl="0" eaLnBrk="1" latinLnBrk="0" hangingPunct="1">
+      <a:lvl2pPr algn="l" defTabSz="914400" eaLnBrk="1" hangingPunct="1" indent="-285750" latinLnBrk="0" marL="742950" rtl="0">
         <a:spcBef>
           <a:spcPct val="20000"/>
         </a:spcBef>
-        <a:buFont typeface="Arial" pitchFamily="34" charset="0"/>
+        <a:buFont charset="0" pitchFamily="34" typeface="Arial"/>
         <a:buChar char="–"/>
-        <a:defRPr sz="2800" kern="1200">
+        <a:defRPr kern="1200" sz="2800">
           <a:solidFill>
             <a:schemeClr val="tx1"/>
           </a:solidFill>
@@ -2844,13 +2859,13 @@
           <a:cs typeface="+mn-cs"/>
         </a:defRPr>
       </a:lvl2pPr>
-      <a:lvl3pPr marL="1143000" indent="-228600" algn="l" defTabSz="914400" rtl="0" eaLnBrk="1" latinLnBrk="0" hangingPunct="1">
+      <a:lvl3pPr algn="l" defTabSz="914400" eaLnBrk="1" hangingPunct="1" indent="-228600" latinLnBrk="0" marL="1143000" rtl="0">
         <a:spcBef>
           <a:spcPct val="20000"/>
         </a:spcBef>
-        <a:buFont typeface="Arial" pitchFamily="34" charset="0"/>
+        <a:buFont charset="0" pitchFamily="34" typeface="Arial"/>
         <a:buChar char="•"/>
-        <a:defRPr sz="2400" kern="1200">
+        <a:defRPr kern="1200" sz="2400">
           <a:solidFill>
             <a:schemeClr val="tx1"/>
           </a:solidFill>
@@ -2859,13 +2874,13 @@
           <a:cs typeface="+mn-cs"/>
         </a:defRPr>
       </a:lvl3pPr>
-      <a:lvl4pPr marL="1600200" indent="-228600" algn="l" defTabSz="914400" rtl="0" eaLnBrk="1" latinLnBrk="0" hangingPunct="1">
+      <a:lvl4pPr algn="l" defTabSz="914400" eaLnBrk="1" hangingPunct="1" indent="-228600" latinLnBrk="0" marL="1600200" rtl="0">
         <a:spcBef>
           <a:spcPct val="20000"/>
         </a:spcBef>
-        <a:buFont typeface="Arial" pitchFamily="34" charset="0"/>
+        <a:buFont charset="0" pitchFamily="34" typeface="Arial"/>
         <a:buChar char="–"/>
-        <a:defRPr sz="2000" kern="1200">
+        <a:defRPr kern="1200" sz="2000">
           <a:solidFill>
             <a:schemeClr val="tx1"/>
           </a:solidFill>
@@ -2874,13 +2889,13 @@
           <a:cs typeface="+mn-cs"/>
         </a:defRPr>
       </a:lvl4pPr>
-      <a:lvl5pPr marL="2057400" indent="-228600" algn="l" defTabSz="914400" rtl="0" eaLnBrk="1" latinLnBrk="0" hangingPunct="1">
+      <a:lvl5pPr algn="l" defTabSz="914400" eaLnBrk="1" hangingPunct="1" indent="-228600" latinLnBrk="0" marL="2057400" rtl="0">
         <a:spcBef>
           <a:spcPct val="20000"/>
         </a:spcBef>
-        <a:buFont typeface="Arial" pitchFamily="34" charset="0"/>
+        <a:buFont charset="0" pitchFamily="34" typeface="Arial"/>
         <a:buChar char="»"/>
-        <a:defRPr sz="2000" kern="1200">
+        <a:defRPr kern="1200" sz="2000">
           <a:solidFill>
             <a:schemeClr val="tx1"/>
           </a:solidFill>
@@ -2889,13 +2904,13 @@
           <a:cs typeface="+mn-cs"/>
         </a:defRPr>
       </a:lvl5pPr>
-      <a:lvl6pPr marL="2514600" indent="-228600" algn="l" defTabSz="914400" rtl="0" eaLnBrk="1" latinLnBrk="0" hangingPunct="1">
+      <a:lvl6pPr algn="l" defTabSz="914400" eaLnBrk="1" hangingPunct="1" indent="-228600" latinLnBrk="0" marL="2514600" rtl="0">
         <a:spcBef>
           <a:spcPct val="20000"/>
         </a:spcBef>
-        <a:buFont typeface="Arial" pitchFamily="34" charset="0"/>
+        <a:buFont charset="0" pitchFamily="34" typeface="Arial"/>
         <a:buChar char="•"/>
-        <a:defRPr sz="2000" kern="1200">
+        <a:defRPr kern="1200" sz="2000">
           <a:solidFill>
             <a:schemeClr val="tx1"/>
           </a:solidFill>
@@ -2904,13 +2919,13 @@
           <a:cs typeface="+mn-cs"/>
         </a:defRPr>
       </a:lvl6pPr>
-      <a:lvl7pPr marL="2971800" indent="-228600" algn="l" defTabSz="914400" rtl="0" eaLnBrk="1" latinLnBrk="0" hangingPunct="1">
+      <a:lvl7pPr algn="l" defTabSz="914400" eaLnBrk="1" hangingPunct="1" indent="-228600" latinLnBrk="0" marL="2971800" rtl="0">
         <a:spcBef>
           <a:spcPct val="20000"/>
         </a:spcBef>
-        <a:buFont typeface="Arial" pitchFamily="34" charset="0"/>
+        <a:buFont charset="0" pitchFamily="34" typeface="Arial"/>
         <a:buChar char="•"/>
-        <a:defRPr sz="2000" kern="1200">
+        <a:defRPr kern="1200" sz="2000">
           <a:solidFill>
             <a:schemeClr val="tx1"/>
           </a:solidFill>
@@ -2919,13 +2934,13 @@
           <a:cs typeface="+mn-cs"/>
         </a:defRPr>
       </a:lvl7pPr>
-      <a:lvl8pPr marL="3429000" indent="-228600" algn="l" defTabSz="914400" rtl="0" eaLnBrk="1" latinLnBrk="0" hangingPunct="1">
+      <a:lvl8pPr algn="l" defTabSz="914400" eaLnBrk="1" hangingPunct="1" indent="-228600" latinLnBrk="0" marL="3429000" rtl="0">
         <a:spcBef>
           <a:spcPct val="20000"/>
         </a:spcBef>
-        <a:buFont typeface="Arial" pitchFamily="34" charset="0"/>
+        <a:buFont charset="0" pitchFamily="34" typeface="Arial"/>
         <a:buChar char="•"/>
-        <a:defRPr sz="2000" kern="1200">
+        <a:defRPr kern="1200" sz="2000">
           <a:solidFill>
             <a:schemeClr val="tx1"/>
           </a:solidFill>
@@ -2934,13 +2949,13 @@
           <a:cs typeface="+mn-cs"/>
         </a:defRPr>
       </a:lvl8pPr>
-      <a:lvl9pPr marL="3886200" indent="-228600" algn="l" defTabSz="914400" rtl="0" eaLnBrk="1" latinLnBrk="0" hangingPunct="1">
+      <a:lvl9pPr algn="l" defTabSz="914400" eaLnBrk="1" hangingPunct="1" indent="-228600" latinLnBrk="0" marL="3886200" rtl="0">
         <a:spcBef>
           <a:spcPct val="20000"/>
         </a:spcBef>
-        <a:buFont typeface="Arial" pitchFamily="34" charset="0"/>
+        <a:buFont charset="0" pitchFamily="34" typeface="Arial"/>
         <a:buChar char="•"/>
-        <a:defRPr sz="2000" kern="1200">
+        <a:defRPr kern="1200" sz="2000">
           <a:solidFill>
             <a:schemeClr val="tx1"/>
           </a:solidFill>
@@ -2954,8 +2969,8 @@
       <a:defPPr>
         <a:defRPr lang="en-US"/>
       </a:defPPr>
-      <a:lvl1pPr marL="0" algn="l" defTabSz="914400" rtl="0" eaLnBrk="1" latinLnBrk="0" hangingPunct="1">
-        <a:defRPr sz="1800" kern="1200">
+      <a:lvl1pPr algn="l" defTabSz="914400" eaLnBrk="1" hangingPunct="1" latinLnBrk="0" marL="0" rtl="0">
+        <a:defRPr kern="1200" sz="1800">
           <a:solidFill>
             <a:schemeClr val="tx1"/>
           </a:solidFill>
@@ -2964,8 +2979,8 @@
           <a:cs typeface="+mn-cs"/>
         </a:defRPr>
       </a:lvl1pPr>
-      <a:lvl2pPr marL="457200" algn="l" defTabSz="914400" rtl="0" eaLnBrk="1" latinLnBrk="0" hangingPunct="1">
-        <a:defRPr sz="1800" kern="1200">
+      <a:lvl2pPr algn="l" defTabSz="914400" eaLnBrk="1" hangingPunct="1" latinLnBrk="0" marL="457200" rtl="0">
+        <a:defRPr kern="1200" sz="1800">
           <a:solidFill>
             <a:schemeClr val="tx1"/>
           </a:solidFill>
@@ -2974,8 +2989,8 @@
           <a:cs typeface="+mn-cs"/>
         </a:defRPr>
       </a:lvl2pPr>
-      <a:lvl3pPr marL="914400" algn="l" defTabSz="914400" rtl="0" eaLnBrk="1" latinLnBrk="0" hangingPunct="1">
-        <a:defRPr sz="1800" kern="1200">
+      <a:lvl3pPr algn="l" defTabSz="914400" eaLnBrk="1" hangingPunct="1" latinLnBrk="0" marL="914400" rtl="0">
+        <a:defRPr kern="1200" sz="1800">
           <a:solidFill>
             <a:schemeClr val="tx1"/>
           </a:solidFill>
@@ -2984,8 +2999,8 @@
           <a:cs typeface="+mn-cs"/>
         </a:defRPr>
       </a:lvl3pPr>
-      <a:lvl4pPr marL="1371600" algn="l" defTabSz="914400" rtl="0" eaLnBrk="1" latinLnBrk="0" hangingPunct="1">
-        <a:defRPr sz="1800" kern="1200">
+      <a:lvl4pPr algn="l" defTabSz="914400" eaLnBrk="1" hangingPunct="1" latinLnBrk="0" marL="1371600" rtl="0">
+        <a:defRPr kern="1200" sz="1800">
           <a:solidFill>
             <a:schemeClr val="tx1"/>
           </a:solidFill>
@@ -2994,8 +3009,8 @@
           <a:cs typeface="+mn-cs"/>
         </a:defRPr>
       </a:lvl4pPr>
-      <a:lvl5pPr marL="1828800" algn="l" defTabSz="914400" rtl="0" eaLnBrk="1" latinLnBrk="0" hangingPunct="1">
-        <a:defRPr sz="1800" kern="1200">
+      <a:lvl5pPr algn="l" defTabSz="914400" eaLnBrk="1" hangingPunct="1" latinLnBrk="0" marL="1828800" rtl="0">
+        <a:defRPr kern="1200" sz="1800">
           <a:solidFill>
             <a:schemeClr val="tx1"/>
           </a:solidFill>
@@ -3004,8 +3019,8 @@
           <a:cs typeface="+mn-cs"/>
         </a:defRPr>
       </a:lvl5pPr>
-      <a:lvl6pPr marL="2286000" algn="l" defTabSz="914400" rtl="0" eaLnBrk="1" latinLnBrk="0" hangingPunct="1">
-        <a:defRPr sz="1800" kern="1200">
+      <a:lvl6pPr algn="l" defTabSz="914400" eaLnBrk="1" hangingPunct="1" latinLnBrk="0" marL="2286000" rtl="0">
+        <a:defRPr kern="1200" sz="1800">
           <a:solidFill>
             <a:schemeClr val="tx1"/>
           </a:solidFill>
@@ -3014,8 +3029,8 @@
           <a:cs typeface="+mn-cs"/>
         </a:defRPr>
       </a:lvl6pPr>
-      <a:lvl7pPr marL="2743200" algn="l" defTabSz="914400" rtl="0" eaLnBrk="1" latinLnBrk="0" hangingPunct="1">
-        <a:defRPr sz="1800" kern="1200">
+      <a:lvl7pPr algn="l" defTabSz="914400" eaLnBrk="1" hangingPunct="1" latinLnBrk="0" marL="2743200" rtl="0">
+        <a:defRPr kern="1200" sz="1800">
           <a:solidFill>
             <a:schemeClr val="tx1"/>
           </a:solidFill>
@@ -3024,8 +3039,8 @@
           <a:cs typeface="+mn-cs"/>
         </a:defRPr>
       </a:lvl7pPr>
-      <a:lvl8pPr marL="3200400" algn="l" defTabSz="914400" rtl="0" eaLnBrk="1" latinLnBrk="0" hangingPunct="1">
-        <a:defRPr sz="1800" kern="1200">
+      <a:lvl8pPr algn="l" defTabSz="914400" eaLnBrk="1" hangingPunct="1" latinLnBrk="0" marL="3200400" rtl="0">
+        <a:defRPr kern="1200" sz="1800">
           <a:solidFill>
             <a:schemeClr val="tx1"/>
           </a:solidFill>
@@ -3034,8 +3049,8 @@
           <a:cs typeface="+mn-cs"/>
         </a:defRPr>
       </a:lvl8pPr>
-      <a:lvl9pPr marL="3657600" algn="l" defTabSz="914400" rtl="0" eaLnBrk="1" latinLnBrk="0" hangingPunct="1">
-        <a:defRPr sz="1800" kern="1200">
+      <a:lvl9pPr algn="l" defTabSz="914400" eaLnBrk="1" hangingPunct="1" latinLnBrk="0" marL="3657600" rtl="0">
+        <a:defRPr kern="1200" sz="1800">
           <a:solidFill>
             <a:schemeClr val="tx1"/>
           </a:solidFill>
@@ -3050,7 +3065,7 @@
 </file>
 
 <file path=ppt/slides/slide1.xml><?xml version="1.0" encoding="utf-8"?>
-<p:sld xmlns:a="http://schemas.openxmlformats.org/drawingml/2006/main" xmlns:r="http://schemas.openxmlformats.org/officeDocument/2006/relationships" xmlns:p="http://schemas.openxmlformats.org/presentationml/2006/main">
+<p:sld xmlns:a="http://schemas.openxmlformats.org/drawingml/2006/main" xmlns:p="http://schemas.openxmlformats.org/presentationml/2006/main" xmlns:r="http://schemas.openxmlformats.org/officeDocument/2006/relationships">
   <p:cSld>
     <p:spTree>
       <p:nvGrpSpPr>
@@ -3082,10 +3097,10 @@
           <a:lstStyle/>
           <a:p>
             <a:r>
-              <a:rPr lang="en-US" dirty="0" smtClean="0"/>
+              <a:rPr dirty="0" lang="en-US" smtClean="0"/>
               <a:t>Bicycle Of the Mind</a:t>
             </a:r>
-            <a:endParaRPr lang="en-US" dirty="0"/>
+            <a:endParaRPr dirty="0" lang="en-US"/>
           </a:p>
         </p:txBody>
       </p:sp>
@@ -3096,26 +3111,26 @@
             <a:spLocks noGrp="1"/>
           </p:cNvSpPr>
           <p:nvPr>
-            <p:ph type="subTitle" idx="1"/>
-          </p:nvPr>
-        </p:nvSpPr>
-        <p:spPr/>
-        <p:txBody>
-          <a:bodyPr/>
-          <a:lstStyle/>
-          <a:p>
-            <a:r>
-              <a:rPr lang="en-US" dirty="0" smtClean="0"/>
+            <p:ph idx="1" type="subTitle"/>
+          </p:nvPr>
+        </p:nvSpPr>
+        <p:spPr/>
+        <p:txBody>
+          <a:bodyPr/>
+          <a:lstStyle/>
+          <a:p>
+            <a:r>
+              <a:rPr lang="en-US" smtClean="0"/>
               <a:t>created by Steve Jobs</a:t>
             </a:r>
-            <a:endParaRPr lang="en-US" dirty="0"/>
+            <a:endParaRPr lang="en-US"/>
           </a:p>
         </p:txBody>
       </p:sp>
     </p:spTree>
     <p:extLst>
       <p:ext uri="{BB962C8B-B14F-4D97-AF65-F5344CB8AC3E}">
-        <p14:creationId xmlns:p14="http://schemas.microsoft.com/office/powerpoint/2010/main" val="2348763462"/>
+        <p14:creationId xmlns:p14="http://schemas.microsoft.com/office/powerpoint/2010/main" val="1633108117"/>
       </p:ext>
     </p:extLst>
   </p:cSld>
@@ -3126,7 +3141,7 @@
 </file>
 
 <file path=ppt/slides/slide2.xml><?xml version="1.0" encoding="utf-8"?>
-<p:sld xmlns:a="http://schemas.openxmlformats.org/drawingml/2006/main" xmlns:r="http://schemas.openxmlformats.org/officeDocument/2006/relationships" xmlns:p="http://schemas.openxmlformats.org/presentationml/2006/main">
+<p:sld xmlns:a="http://schemas.openxmlformats.org/drawingml/2006/main" xmlns:p="http://schemas.openxmlformats.org/presentationml/2006/main" xmlns:r="http://schemas.openxmlformats.org/officeDocument/2006/relationships">
   <p:cSld>
     <p:spTree>
       <p:nvGrpSpPr>
@@ -3158,10 +3173,10 @@
           <a:lstStyle/>
           <a:p>
             <a:r>
-              <a:rPr lang="en-US" dirty="0" smtClean="0"/>
+              <a:rPr dirty="0" lang="en-US" smtClean="0"/>
               <a:t>Why Mac?</a:t>
             </a:r>
-            <a:endParaRPr lang="en-US" dirty="0"/>
+            <a:endParaRPr dirty="0" lang="en-US"/>
           </a:p>
         </p:txBody>
       </p:sp>
@@ -3181,22 +3196,23 @@
           <a:lstStyle/>
           <a:p>
             <a:r>
-              <a:rPr lang="en-US" dirty="0" smtClean="0"/>
+              <a:rPr dirty="0" lang="en-US" smtClean="0"/>
               <a:t>Its cool!</a:t>
             </a:r>
           </a:p>
           <a:p>
             <a:r>
-              <a:rPr lang="en-US" dirty="0" smtClean="0"/>
+              <a:rPr dirty="0" lang="en-US" smtClean="0"/>
               <a:t>Its light!</a:t>
             </a:r>
+            <a:endParaRPr lang="en-US"/>
           </a:p>
         </p:txBody>
       </p:sp>
     </p:spTree>
     <p:extLst>
       <p:ext uri="{BB962C8B-B14F-4D97-AF65-F5344CB8AC3E}">
-        <p14:creationId xmlns:p14="http://schemas.microsoft.com/office/powerpoint/2010/main" val="4058324642"/>
+        <p14:creationId xmlns:p14="http://schemas.microsoft.com/office/powerpoint/2010/main" val="1231192379"/>
       </p:ext>
     </p:extLst>
   </p:cSld>
@@ -3207,7 +3223,7 @@
 </file>
 
 <file path=ppt/slides/slide3.xml><?xml version="1.0" encoding="utf-8"?>
-<p:sld xmlns:a="http://schemas.openxmlformats.org/drawingml/2006/main" xmlns:r="http://schemas.openxmlformats.org/officeDocument/2006/relationships" xmlns:p="http://schemas.openxmlformats.org/presentationml/2006/main">
+<p:sld xmlns:a="http://schemas.openxmlformats.org/drawingml/2006/main" xmlns:p="http://schemas.openxmlformats.org/presentationml/2006/main" xmlns:r="http://schemas.openxmlformats.org/officeDocument/2006/relationships">
   <p:cSld>
     <p:spTree>
       <p:nvGrpSpPr>
@@ -3239,10 +3255,10 @@
           <a:lstStyle/>
           <a:p>
             <a:r>
-              <a:rPr lang="en-US" dirty="0" smtClean="0"/>
+              <a:rPr dirty="0" lang="en-US" smtClean="0"/>
               <a:t>Why Iphone?</a:t>
             </a:r>
-            <a:endParaRPr lang="en-US" dirty="0"/>
+            <a:endParaRPr dirty="0" lang="en-US"/>
           </a:p>
         </p:txBody>
       </p:sp>
@@ -3262,22 +3278,23 @@
           <a:lstStyle/>
           <a:p>
             <a:r>
-              <a:rPr lang="en-US" dirty="0" smtClean="0"/>
+              <a:rPr dirty="0" lang="en-US" smtClean="0"/>
               <a:t>Its fast!</a:t>
             </a:r>
           </a:p>
           <a:p>
             <a:r>
-              <a:rPr lang="en-US" dirty="0" smtClean="0"/>
+              <a:rPr dirty="0" lang="en-US" smtClean="0"/>
               <a:t>Its cheap!</a:t>
             </a:r>
+            <a:endParaRPr lang="en-US"/>
           </a:p>
         </p:txBody>
       </p:sp>
     </p:spTree>
     <p:extLst>
       <p:ext uri="{BB962C8B-B14F-4D97-AF65-F5344CB8AC3E}">
-        <p14:creationId xmlns:p14="http://schemas.microsoft.com/office/powerpoint/2010/main" val="4058324642"/>
+        <p14:creationId xmlns:p14="http://schemas.microsoft.com/office/powerpoint/2010/main" val="1231192379"/>
       </p:ext>
     </p:extLst>
   </p:cSld>
@@ -3288,7 +3305,7 @@
 </file>
 
 <file path=ppt/slides/slide4.xml><?xml version="1.0" encoding="utf-8"?>
-<p:sld xmlns:a="http://schemas.openxmlformats.org/drawingml/2006/main" xmlns:r="http://schemas.openxmlformats.org/officeDocument/2006/relationships" xmlns:p="http://schemas.openxmlformats.org/presentationml/2006/main">
+<p:sld xmlns:a="http://schemas.openxmlformats.org/drawingml/2006/main" xmlns:p="http://schemas.openxmlformats.org/presentationml/2006/main" xmlns:r="http://schemas.openxmlformats.org/officeDocument/2006/relationships">
   <p:cSld>
     <p:spTree>
       <p:nvGrpSpPr>
@@ -3320,10 +3337,10 @@
           <a:lstStyle/>
           <a:p>
             <a:r>
-              <a:rPr lang="en-US" dirty="0" smtClean="0"/>
+              <a:rPr dirty="0" lang="en-US" smtClean="0"/>
               <a:t>JPG Logo</a:t>
             </a:r>
-            <a:endParaRPr lang="en-US" dirty="0"/>
+            <a:endParaRPr dirty="0" lang="en-US"/>
           </a:p>
         </p:txBody>
       </p:sp>
@@ -3331,7 +3348,7 @@
         <p:nvPicPr>
           <p:cNvPr id="4" name="Content Placeholder 3"/>
           <p:cNvPicPr>
-            <a:picLocks noGrp="1" noChangeAspect="1"/>
+            <a:picLocks noChangeAspect="1" noGrp="1"/>
           </p:cNvPicPr>
           <p:nvPr>
             <p:ph idx="1"/>
@@ -3349,6 +3366,15 @@
             <a:fillRect/>
           </a:stretch>
         </p:blipFill>
+        <p:spPr>
+          <a:xfrm>
+            <a:off x="2159000" y="1524000"/>
+            <a:ext cx="4826000" cy="1689100"/>
+          </a:xfrm>
+          <a:prstGeom prst="rect">
+            <a:avLst/>
+          </a:prstGeom>
+        </p:spPr>
       </p:pic>
     </p:spTree>
     <p:extLst>
@@ -3364,7 +3390,7 @@
 </file>
 
 <file path=ppt/slides/slide5.xml><?xml version="1.0" encoding="utf-8"?>
-<p:sld xmlns:a="http://schemas.openxmlformats.org/drawingml/2006/main" xmlns:r="http://schemas.openxmlformats.org/officeDocument/2006/relationships" xmlns:p="http://schemas.openxmlformats.org/presentationml/2006/main">
+<p:sld xmlns:a="http://schemas.openxmlformats.org/drawingml/2006/main" xmlns:p="http://schemas.openxmlformats.org/presentationml/2006/main" xmlns:r="http://schemas.openxmlformats.org/officeDocument/2006/relationships">
   <p:cSld>
     <p:spTree>
       <p:nvGrpSpPr>
@@ -3396,10 +3422,10 @@
           <a:lstStyle/>
           <a:p>
             <a:r>
-              <a:rPr lang="en-US" dirty="0" smtClean="0"/>
+              <a:rPr dirty="0" lang="en-US" smtClean="0"/>
               <a:t>PNG Logo</a:t>
             </a:r>
-            <a:endParaRPr lang="en-US" dirty="0"/>
+            <a:endParaRPr dirty="0" lang="en-US"/>
           </a:p>
         </p:txBody>
       </p:sp>
@@ -3407,7 +3433,7 @@
         <p:nvPicPr>
           <p:cNvPr id="4" name="Content Placeholder 3"/>
           <p:cNvPicPr>
-            <a:picLocks noGrp="1" noChangeAspect="1"/>
+            <a:picLocks noChangeAspect="1" noGrp="1"/>
           </p:cNvPicPr>
           <p:nvPr>
             <p:ph idx="1"/>
@@ -3425,6 +3451,15 @@
             <a:fillRect/>
           </a:stretch>
         </p:blipFill>
+        <p:spPr>
+          <a:xfrm>
+            <a:off x="2794000" y="1524000"/>
+            <a:ext cx="3556000" cy="2667000"/>
+          </a:xfrm>
+          <a:prstGeom prst="rect">
+            <a:avLst/>
+          </a:prstGeom>
+        </p:spPr>
       </p:pic>
     </p:spTree>
     <p:extLst>
@@ -3440,7 +3475,7 @@
 </file>
 
 <file path=ppt/slides/slide6.xml><?xml version="1.0" encoding="utf-8"?>
-<p:sld xmlns:a="http://schemas.openxmlformats.org/drawingml/2006/main" xmlns:r="http://schemas.openxmlformats.org/officeDocument/2006/relationships" xmlns:p="http://schemas.openxmlformats.org/presentationml/2006/main">
+<p:sld xmlns:a="http://schemas.openxmlformats.org/drawingml/2006/main" xmlns:p="http://schemas.openxmlformats.org/presentationml/2006/main" xmlns:r="http://schemas.openxmlformats.org/officeDocument/2006/relationships">
   <p:cSld>
     <p:spTree>
       <p:nvGrpSpPr>
@@ -3472,10 +3507,10 @@
           <a:lstStyle/>
           <a:p>
             <a:r>
-              <a:rPr lang="en-US" dirty="0" smtClean="0"/>
+              <a:rPr dirty="0" lang="en-US" smtClean="0"/>
               <a:t>GIF Logo</a:t>
             </a:r>
-            <a:endParaRPr lang="en-US" dirty="0"/>
+            <a:endParaRPr dirty="0" lang="en-US"/>
           </a:p>
         </p:txBody>
       </p:sp>
@@ -3483,7 +3518,7 @@
         <p:nvPicPr>
           <p:cNvPr id="4" name="Content Placeholder 3"/>
           <p:cNvPicPr>
-            <a:picLocks noGrp="1" noChangeAspect="1"/>
+            <a:picLocks noChangeAspect="1" noGrp="1"/>
           </p:cNvPicPr>
           <p:nvPr>
             <p:ph idx="1"/>
@@ -3506,6 +3541,9 @@
             <a:off x="124200" y="3356451"/>
             <a:ext cx="2895600" cy="1013460"/>
           </a:xfrm>
+          <a:prstGeom prst="rect">
+            <a:avLst/>
+          </a:prstGeom>
         </p:spPr>
       </p:pic>
     </p:spTree>
@@ -3522,7 +3560,7 @@
 </file>
 
 <file path=ppt/slides/slide7.xml><?xml version="1.0" encoding="utf-8"?>
-<p:sld xmlns:a="http://schemas.openxmlformats.org/drawingml/2006/main" xmlns:r="http://schemas.openxmlformats.org/officeDocument/2006/relationships" xmlns:p="http://schemas.openxmlformats.org/presentationml/2006/main">
+<p:sld xmlns:a="http://schemas.openxmlformats.org/drawingml/2006/main" xmlns:p="http://schemas.openxmlformats.org/presentationml/2006/main" xmlns:r="http://schemas.openxmlformats.org/officeDocument/2006/relationships">
   <p:cSld>
     <p:spTree>
       <p:nvGrpSpPr>
@@ -3554,121 +3592,46 @@
           <a:lstStyle/>
           <a:p>
             <a:r>
-              <a:rPr lang="en-US" dirty="0" smtClean="0"/>
-              <a:t>SVG Logo</a:t>
-            </a:r>
-            <a:endParaRPr lang="en-US" dirty="0"/>
-          </a:p>
-        </p:txBody>
-      </p:sp>
-      <p:pic>
-        <p:nvPicPr>
-          <p:cNvPr id="4" name="Content Placeholder 3"/>
-          <p:cNvPicPr>
-            <a:picLocks noGrp="1" noChangeAspect="1"/>
-          </p:cNvPicPr>
+              <a:rPr dirty="0" lang="en-US" smtClean="0"/>
+              <a:t>Why Android?</a:t>
+            </a:r>
+            <a:endParaRPr dirty="0" lang="en-US"/>
+          </a:p>
+        </p:txBody>
+      </p:sp>
+      <p:sp>
+        <p:nvSpPr>
+          <p:cNvPr id="3" name="Content Placeholder 2"/>
+          <p:cNvSpPr>
+            <a:spLocks noGrp="1"/>
+          </p:cNvSpPr>
           <p:nvPr>
             <p:ph idx="1"/>
           </p:nvPr>
-        </p:nvPicPr>
-        <p:blipFill>
-          <a:blip r:embed="rId2">
-            <a:extLst>
-              <a:ext uri="{28A0092B-C50C-407E-A947-70E740481C1C}">
-                <a14:useLocalDpi xmlns:a14="http://schemas.microsoft.com/office/drawing/2010/main" val="0"/>
-              </a:ext>
-            </a:extLst>
-          </a:blip>
-          <a:stretch>
-            <a:fillRect/>
-          </a:stretch>
-        </p:blipFill>
-      </p:pic>
+        </p:nvSpPr>
+        <p:spPr/>
+        <p:txBody>
+          <a:bodyPr/>
+          <a:lstStyle/>
+          <a:p>
+            <a:r>
+              <a:rPr dirty="0" lang="en-US" smtClean="0"/>
+              <a:t>Its great!</a:t>
+            </a:r>
+          </a:p>
+          <a:p>
+            <a:r>
+              <a:rPr dirty="0" lang="en-US" smtClean="0"/>
+              <a:t>Its sweet!</a:t>
+            </a:r>
+            <a:endParaRPr lang="en-US"/>
+          </a:p>
+        </p:txBody>
+      </p:sp>
     </p:spTree>
     <p:extLst>
       <p:ext uri="{BB962C8B-B14F-4D97-AF65-F5344CB8AC3E}">
-        <p14:creationId xmlns:p14="http://schemas.microsoft.com/office/powerpoint/2010/main" val="1474098577"/>
-      </p:ext>
-    </p:extLst>
-  </p:cSld>
-  <p:clrMapOvr>
-    <a:masterClrMapping/>
-  </p:clrMapOvr>
-</p:sld>
-</file>
-
-<file path=ppt/slides/slide8.xml><?xml version="1.0" encoding="utf-8"?>
-<p:sld xmlns:a="http://schemas.openxmlformats.org/drawingml/2006/main" xmlns:r="http://schemas.openxmlformats.org/officeDocument/2006/relationships" xmlns:p="http://schemas.openxmlformats.org/presentationml/2006/main">
-  <p:cSld>
-    <p:spTree>
-      <p:nvGrpSpPr>
-        <p:cNvPr id="1" name=""/>
-        <p:cNvGrpSpPr/>
-        <p:nvPr/>
-      </p:nvGrpSpPr>
-      <p:grpSpPr>
-        <a:xfrm>
-          <a:off x="0" y="0"/>
-          <a:ext cx="0" cy="0"/>
-          <a:chOff x="0" y="0"/>
-          <a:chExt cx="0" cy="0"/>
-        </a:xfrm>
-      </p:grpSpPr>
-      <p:sp>
-        <p:nvSpPr>
-          <p:cNvPr id="2" name="Title 1"/>
-          <p:cNvSpPr>
-            <a:spLocks noGrp="1"/>
-          </p:cNvSpPr>
-          <p:nvPr>
-            <p:ph type="title"/>
-          </p:nvPr>
-        </p:nvSpPr>
-        <p:spPr/>
-        <p:txBody>
-          <a:bodyPr/>
-          <a:lstStyle/>
-          <a:p>
-            <a:r>
-              <a:rPr lang="en-US" dirty="0" smtClean="0"/>
-              <a:t>Why Android?</a:t>
-            </a:r>
-            <a:endParaRPr lang="en-US" dirty="0"/>
-          </a:p>
-        </p:txBody>
-      </p:sp>
-      <p:sp>
-        <p:nvSpPr>
-          <p:cNvPr id="3" name="Content Placeholder 2"/>
-          <p:cNvSpPr>
-            <a:spLocks noGrp="1"/>
-          </p:cNvSpPr>
-          <p:nvPr>
-            <p:ph idx="1"/>
-          </p:nvPr>
-        </p:nvSpPr>
-        <p:spPr/>
-        <p:txBody>
-          <a:bodyPr/>
-          <a:lstStyle/>
-          <a:p>
-            <a:r>
-              <a:rPr lang="en-US" dirty="0" smtClean="0"/>
-              <a:t>Its great!</a:t>
-            </a:r>
-          </a:p>
-          <a:p>
-            <a:r>
-              <a:rPr lang="en-US" dirty="0" smtClean="0"/>
-              <a:t>Its sweet!</a:t>
-            </a:r>
-          </a:p>
-        </p:txBody>
-      </p:sp>
-    </p:spTree>
-    <p:extLst>
-      <p:ext uri="{BB962C8B-B14F-4D97-AF65-F5344CB8AC3E}">
-        <p14:creationId xmlns:p14="http://schemas.microsoft.com/office/powerpoint/2010/main" val="4058324642"/>
+        <p14:creationId xmlns:p14="http://schemas.microsoft.com/office/powerpoint/2010/main" val="1231192379"/>
       </p:ext>
     </p:extLst>
   </p:cSld>

--- a/samples/pptx/sample.pptx
+++ b/samples/pptx/sample.pptx
@@ -12,6 +12,9 @@
     <p:sldId id="260" r:id="rId10"/>
     <p:sldId id="261" r:id="rId11"/>
     <p:sldId id="262" r:id="rId12"/>
+    <p:sldId id="263" r:id="rId13"/>
+    <p:sldId id="264" r:id="rId14"/>
+    <p:sldId id="265" r:id="rId15"/>
   </p:sldIdLst>
   <p:sldSz cx="9144000" cy="6858000" type="screen4x3"/>
   <p:notesSz cx="6858000" cy="9144000"/>
@@ -3140,6 +3143,88 @@
 </p:sld>
 </file>
 
+<file path=ppt/slides/slide10.xml><?xml version="1.0" encoding="utf-8"?>
+<p:sld xmlns:a="http://schemas.openxmlformats.org/drawingml/2006/main" xmlns:p="http://schemas.openxmlformats.org/presentationml/2006/main" xmlns:r="http://schemas.openxmlformats.org/officeDocument/2006/relationships">
+  <p:cSld>
+    <p:spTree>
+      <p:nvGrpSpPr>
+        <p:cNvPr id="1" name=""/>
+        <p:cNvGrpSpPr/>
+        <p:nvPr/>
+      </p:nvGrpSpPr>
+      <p:grpSpPr>
+        <a:xfrm>
+          <a:off x="0" y="0"/>
+          <a:ext cx="0" cy="0"/>
+          <a:chOff x="0" y="0"/>
+          <a:chExt cx="0" cy="0"/>
+        </a:xfrm>
+      </p:grpSpPr>
+      <p:sp>
+        <p:nvSpPr>
+          <p:cNvPr id="2" name="Title 1"/>
+          <p:cNvSpPr>
+            <a:spLocks noGrp="1"/>
+          </p:cNvSpPr>
+          <p:nvPr>
+            <p:ph type="title"/>
+          </p:nvPr>
+        </p:nvSpPr>
+        <p:spPr/>
+        <p:txBody>
+          <a:bodyPr/>
+          <a:lstStyle/>
+          <a:p>
+            <a:r>
+              <a:rPr dirty="0" lang="en-US" smtClean="0"/>
+              <a:t>Why Android?</a:t>
+            </a:r>
+            <a:endParaRPr dirty="0" lang="en-US"/>
+          </a:p>
+        </p:txBody>
+      </p:sp>
+      <p:sp>
+        <p:nvSpPr>
+          <p:cNvPr id="3" name="Content Placeholder 2"/>
+          <p:cNvSpPr>
+            <a:spLocks noGrp="1"/>
+          </p:cNvSpPr>
+          <p:nvPr>
+            <p:ph idx="1"/>
+          </p:nvPr>
+        </p:nvSpPr>
+        <p:spPr/>
+        <p:txBody>
+          <a:bodyPr/>
+          <a:lstStyle/>
+          <a:p>
+            <a:r>
+              <a:rPr dirty="0" lang="en-US" smtClean="0"/>
+              <a:t>Its great!</a:t>
+            </a:r>
+          </a:p>
+          <a:p>
+            <a:r>
+              <a:rPr dirty="0" lang="en-US" smtClean="0"/>
+              <a:t>Its sweet!</a:t>
+            </a:r>
+            <a:endParaRPr lang="en-US"/>
+          </a:p>
+        </p:txBody>
+      </p:sp>
+    </p:spTree>
+    <p:extLst>
+      <p:ext uri="{BB962C8B-B14F-4D97-AF65-F5344CB8AC3E}">
+        <p14:creationId xmlns:p14="http://schemas.microsoft.com/office/powerpoint/2010/main" val="1231192379"/>
+      </p:ext>
+    </p:extLst>
+  </p:cSld>
+  <p:clrMapOvr>
+    <a:masterClrMapping/>
+  </p:clrMapOvr>
+</p:sld>
+</file>
+
 <file path=ppt/slides/slide2.xml><?xml version="1.0" encoding="utf-8"?>
 <p:sld xmlns:a="http://schemas.openxmlformats.org/drawingml/2006/main" xmlns:p="http://schemas.openxmlformats.org/presentationml/2006/main" xmlns:r="http://schemas.openxmlformats.org/officeDocument/2006/relationships">
   <p:cSld>
@@ -3339,91 +3424,6 @@
             <a:r>
               <a:rPr dirty="0" lang="en-US" smtClean="0"/>
               <a:t>JPG Logo</a:t>
-            </a:r>
-            <a:endParaRPr dirty="0" lang="en-US"/>
-          </a:p>
-        </p:txBody>
-      </p:sp>
-      <p:pic>
-        <p:nvPicPr>
-          <p:cNvPr id="4" name="Content Placeholder 3"/>
-          <p:cNvPicPr>
-            <a:picLocks noChangeAspect="1" noGrp="1"/>
-          </p:cNvPicPr>
-          <p:nvPr>
-            <p:ph idx="1"/>
-          </p:nvPr>
-        </p:nvPicPr>
-        <p:blipFill>
-          <a:blip r:embed="rId2">
-            <a:extLst>
-              <a:ext uri="{28A0092B-C50C-407E-A947-70E740481C1C}">
-                <a14:useLocalDpi xmlns:a14="http://schemas.microsoft.com/office/drawing/2010/main" val="0"/>
-              </a:ext>
-            </a:extLst>
-          </a:blip>
-          <a:stretch>
-            <a:fillRect/>
-          </a:stretch>
-        </p:blipFill>
-        <p:spPr>
-          <a:xfrm>
-            <a:off x="2159000" y="1524000"/>
-            <a:ext cx="4826000" cy="1689100"/>
-          </a:xfrm>
-          <a:prstGeom prst="rect">
-            <a:avLst/>
-          </a:prstGeom>
-        </p:spPr>
-      </p:pic>
-    </p:spTree>
-    <p:extLst>
-      <p:ext uri="{BB962C8B-B14F-4D97-AF65-F5344CB8AC3E}">
-        <p14:creationId xmlns:p14="http://schemas.microsoft.com/office/powerpoint/2010/main" val="1474098577"/>
-      </p:ext>
-    </p:extLst>
-  </p:cSld>
-  <p:clrMapOvr>
-    <a:masterClrMapping/>
-  </p:clrMapOvr>
-</p:sld>
-</file>
-
-<file path=ppt/slides/slide5.xml><?xml version="1.0" encoding="utf-8"?>
-<p:sld xmlns:a="http://schemas.openxmlformats.org/drawingml/2006/main" xmlns:p="http://schemas.openxmlformats.org/presentationml/2006/main" xmlns:r="http://schemas.openxmlformats.org/officeDocument/2006/relationships">
-  <p:cSld>
-    <p:spTree>
-      <p:nvGrpSpPr>
-        <p:cNvPr id="1" name=""/>
-        <p:cNvGrpSpPr/>
-        <p:nvPr/>
-      </p:nvGrpSpPr>
-      <p:grpSpPr>
-        <a:xfrm>
-          <a:off x="0" y="0"/>
-          <a:ext cx="0" cy="0"/>
-          <a:chOff x="0" y="0"/>
-          <a:chExt cx="0" cy="0"/>
-        </a:xfrm>
-      </p:grpSpPr>
-      <p:sp>
-        <p:nvSpPr>
-          <p:cNvPr id="2" name="Title 1"/>
-          <p:cNvSpPr>
-            <a:spLocks noGrp="1"/>
-          </p:cNvSpPr>
-          <p:nvPr>
-            <p:ph type="title"/>
-          </p:nvPr>
-        </p:nvSpPr>
-        <p:spPr/>
-        <p:txBody>
-          <a:bodyPr/>
-          <a:lstStyle/>
-          <a:p>
-            <a:r>
-              <a:rPr dirty="0" lang="en-US" smtClean="0"/>
-              <a:t>PNG Logo</a:t>
             </a:r>
             <a:endParaRPr dirty="0" lang="en-US"/>
           </a:p>
@@ -3474,7 +3474,428 @@
 </p:sld>
 </file>
 
+<file path=ppt/slides/slide5.xml><?xml version="1.0" encoding="utf-8"?>
+<p:sld xmlns:a="http://schemas.openxmlformats.org/drawingml/2006/main" xmlns:r="http://schemas.openxmlformats.org/officeDocument/2006/relationships" xmlns:p="http://schemas.openxmlformats.org/presentationml/2006/main">
+  <p:cSld>
+    <p:spTree>
+      <p:nvGrpSpPr>
+        <p:cNvPr id="1" name=""/>
+        <p:cNvGrpSpPr/>
+        <p:nvPr/>
+      </p:nvGrpSpPr>
+      <p:grpSpPr>
+        <a:xfrm>
+          <a:off x="0" y="0"/>
+          <a:ext cx="0" cy="0"/>
+          <a:chOff x="0" y="0"/>
+          <a:chExt cx="0" cy="0"/>
+        </a:xfrm>
+      </p:grpSpPr>
+      <p:sp>
+        <p:nvSpPr>
+          <p:cNvPr id="2" name="Title 1"/>
+          <p:cNvSpPr>
+            <a:spLocks noGrp="1"/>
+          </p:cNvSpPr>
+          <p:nvPr>
+            <p:ph type="title"/>
+          </p:nvPr>
+        </p:nvSpPr>
+        <p:spPr/>
+        <p:txBody>
+          <a:bodyPr/>
+          <a:lstStyle/>
+          <a:p>
+            <a:r>
+              <a:rPr lang="en-US" dirty="0" smtClean="0"/>
+              <a:t>Text Pic Split</a:t>
+            </a:r>
+            <a:endParaRPr lang="en-US" dirty="0"/>
+          </a:p>
+        </p:txBody>
+      </p:sp>
+      <p:sp>
+        <p:nvSpPr>
+          <p:cNvPr id="3" name="Content Placeholder 2"/>
+          <p:cNvSpPr>
+            <a:spLocks noGrp="1"/>
+          </p:cNvSpPr>
+          <p:nvPr>
+            <p:ph sz="half" idx="1"/>
+          </p:nvPr>
+        </p:nvSpPr>
+        <p:spPr/>
+        <p:txBody>
+          <a:bodyPr/>
+          <a:lstStyle/>
+          <a:p>
+            <a:r>
+              <a:rPr lang="en-US" dirty="0" smtClean="0"/>
+              <a:t>Here is a string</a:t>
+            </a:r>
+          </a:p>
+          <a:p>
+            <a:r>
+              <a:rPr lang="en-US" dirty="0" smtClean="0"/>
+              <a:t>here is another</a:t>
+            </a:r>
+            <a:endParaRPr lang="en-US"/>
+          </a:p>
+        </p:txBody>
+      </p:sp>
+      <p:pic>
+        <p:nvPicPr>
+          <p:cNvPr id="4" name="Content Placeholder 3"/>
+          <p:cNvPicPr>
+            <a:picLocks noGrp="1" noChangeAspect="1"/>
+          </p:cNvPicPr>
+          <p:nvPr>
+            <p:ph sz="half" idx="2"/>
+          </p:nvPr>
+        </p:nvPicPr>
+        <p:blipFill>
+          <a:blip r:embed="rId2">
+            <a:extLst>
+              <a:ext uri="{28A0092B-C50C-407E-A947-70E740481C1C}">
+                <a14:useLocalDpi xmlns:a14="http://schemas.microsoft.com/office/drawing/2010/main" val="0"/>
+              </a:ext>
+            </a:extLst>
+          </a:blip>
+          <a:stretch>
+            <a:fillRect/>
+          </a:stretch>
+        </p:blipFill>
+        <p:spPr>
+          <a:xfrm>
+            <a:off x="4572000" y="1524000"/>
+            <a:ext cx="3556000" cy="2667000"/>
+          </a:xfrm>
+          <a:prstGeom prst="rect">
+            <a:avLst/>
+          </a:prstGeom>
+        </p:spPr>
+      </p:pic>
+    </p:spTree>
+    <p:extLst>
+      <p:ext uri="{BB962C8B-B14F-4D97-AF65-F5344CB8AC3E}">
+        <p14:creationId xmlns:p14="http://schemas.microsoft.com/office/powerpoint/2010/main" val="1435759726"/>
+      </p:ext>
+    </p:extLst>
+  </p:cSld>
+  <p:clrMapOvr>
+    <a:masterClrMapping/>
+  </p:clrMapOvr>
+</p:sld>
+</file>
+
 <file path=ppt/slides/slide6.xml><?xml version="1.0" encoding="utf-8"?>
+<p:sld xmlns:a="http://schemas.openxmlformats.org/drawingml/2006/main" xmlns:p="http://schemas.openxmlformats.org/presentationml/2006/main" xmlns:r="http://schemas.openxmlformats.org/officeDocument/2006/relationships">
+  <p:cSld>
+    <p:spTree>
+      <p:nvGrpSpPr>
+        <p:cNvPr id="1" name=""/>
+        <p:cNvGrpSpPr/>
+        <p:nvPr/>
+      </p:nvGrpSpPr>
+      <p:grpSpPr>
+        <a:xfrm>
+          <a:off x="0" y="0"/>
+          <a:ext cx="0" cy="0"/>
+          <a:chOff x="0" y="0"/>
+          <a:chExt cx="0" cy="0"/>
+        </a:xfrm>
+      </p:grpSpPr>
+      <p:sp>
+        <p:nvSpPr>
+          <p:cNvPr id="2" name="Title 1"/>
+          <p:cNvSpPr>
+            <a:spLocks noGrp="1"/>
+          </p:cNvSpPr>
+          <p:nvPr>
+            <p:ph type="title"/>
+          </p:nvPr>
+        </p:nvSpPr>
+        <p:spPr/>
+        <p:txBody>
+          <a:bodyPr/>
+          <a:lstStyle/>
+          <a:p>
+            <a:r>
+              <a:rPr dirty="0" lang="en-US" smtClean="0"/>
+              <a:t>PNG Logo</a:t>
+            </a:r>
+            <a:endParaRPr dirty="0" lang="en-US"/>
+          </a:p>
+        </p:txBody>
+      </p:sp>
+      <p:pic>
+        <p:nvPicPr>
+          <p:cNvPr id="4" name="Content Placeholder 3"/>
+          <p:cNvPicPr>
+            <a:picLocks noChangeAspect="1" noGrp="1"/>
+          </p:cNvPicPr>
+          <p:nvPr>
+            <p:ph idx="1"/>
+          </p:nvPr>
+        </p:nvPicPr>
+        <p:blipFill>
+          <a:blip r:embed="rId2">
+            <a:extLst>
+              <a:ext uri="{28A0092B-C50C-407E-A947-70E740481C1C}">
+                <a14:useLocalDpi xmlns:a14="http://schemas.microsoft.com/office/drawing/2010/main" val="0"/>
+              </a:ext>
+            </a:extLst>
+          </a:blip>
+          <a:stretch>
+            <a:fillRect/>
+          </a:stretch>
+        </p:blipFill>
+        <p:spPr>
+          <a:xfrm>
+            <a:off x="2794000" y="1524000"/>
+            <a:ext cx="3556000" cy="2667000"/>
+          </a:xfrm>
+          <a:prstGeom prst="rect">
+            <a:avLst/>
+          </a:prstGeom>
+        </p:spPr>
+      </p:pic>
+    </p:spTree>
+    <p:extLst>
+      <p:ext uri="{BB962C8B-B14F-4D97-AF65-F5344CB8AC3E}">
+        <p14:creationId xmlns:p14="http://schemas.microsoft.com/office/powerpoint/2010/main" val="1474098577"/>
+      </p:ext>
+    </p:extLst>
+  </p:cSld>
+  <p:clrMapOvr>
+    <a:masterClrMapping/>
+  </p:clrMapOvr>
+</p:sld>
+</file>
+
+<file path=ppt/slides/slide7.xml><?xml version="1.0" encoding="utf-8"?>
+<p:sld xmlns:a="http://schemas.openxmlformats.org/drawingml/2006/main" xmlns:r="http://schemas.openxmlformats.org/officeDocument/2006/relationships" xmlns:p="http://schemas.openxmlformats.org/presentationml/2006/main">
+  <p:cSld>
+    <p:spTree>
+      <p:nvGrpSpPr>
+        <p:cNvPr id="1" name=""/>
+        <p:cNvGrpSpPr/>
+        <p:nvPr/>
+      </p:nvGrpSpPr>
+      <p:grpSpPr>
+        <a:xfrm>
+          <a:off x="0" y="0"/>
+          <a:ext cx="0" cy="0"/>
+          <a:chOff x="0" y="0"/>
+          <a:chExt cx="0" cy="0"/>
+        </a:xfrm>
+      </p:grpSpPr>
+      <p:sp>
+        <p:nvSpPr>
+          <p:cNvPr id="2" name="Title 1"/>
+          <p:cNvSpPr>
+            <a:spLocks noGrp="1"/>
+          </p:cNvSpPr>
+          <p:nvPr>
+            <p:ph type="title"/>
+          </p:nvPr>
+        </p:nvSpPr>
+        <p:spPr/>
+        <p:txBody>
+          <a:bodyPr/>
+          <a:lstStyle/>
+          <a:p>
+            <a:r>
+              <a:rPr lang="en-US" dirty="0" smtClean="0"/>
+              <a:t>Pic Desc</a:t>
+            </a:r>
+            <a:endParaRPr lang="en-US" dirty="0"/>
+          </a:p>
+        </p:txBody>
+      </p:sp>
+      <p:pic>
+        <p:nvPicPr>
+          <p:cNvPr id="5" name="Picture Placeholder 4"/>
+          <p:cNvPicPr>
+            <a:picLocks noGrp="1" noChangeAspect="1"/>
+          </p:cNvPicPr>
+          <p:nvPr>
+            <p:ph type="pic" idx="1"/>
+          </p:nvPr>
+        </p:nvPicPr>
+        <p:blipFill>
+          <a:blip r:embed="rId2">
+            <a:extLst>
+              <a:ext uri="{28A0092B-C50C-407E-A947-70E740481C1C}">
+                <a14:useLocalDpi xmlns:a14="http://schemas.microsoft.com/office/drawing/2010/main" val="0"/>
+              </a:ext>
+            </a:extLst>
+          </a:blip>
+          <a:stretch>
+            <a:fillRect/>
+          </a:stretch>
+        </p:blipFill>
+        <p:spPr>
+          <a:xfrm>
+            <a:off x="2794000" y="762000"/>
+            <a:ext cx="3556000" cy="2667000"/>
+          </a:xfrm>
+          <a:prstGeom prst="rect">
+            <a:avLst/>
+          </a:prstGeom>
+        </p:spPr>
+      </p:pic>
+      <p:sp>
+        <p:nvSpPr>
+          <p:cNvPr id="4" name="Text Placeholder 4"/>
+          <p:cNvSpPr>
+            <a:spLocks noGrp="1"/>
+          </p:cNvSpPr>
+          <p:nvPr>
+            <p:ph type="body" sz="half" idx="2"/>
+          </p:nvPr>
+        </p:nvSpPr>
+        <p:spPr/>
+        <p:txBody>
+          <a:bodyPr/>
+          <a:lstStyle/>
+          <a:p>
+            <a:r>
+              <a:rPr lang="en-US" dirty="0" smtClean="0"/>
+              <a:t>Here is a string</a:t>
+            </a:r>
+          </a:p>
+          <a:p>
+            <a:r>
+              <a:rPr lang="en-US" dirty="0" smtClean="0"/>
+              <a:t>here is another</a:t>
+            </a:r>
+            <a:endParaRPr lang="en-US"/>
+          </a:p>
+        </p:txBody>
+      </p:sp>
+    </p:spTree>
+    <p:extLst>
+      <p:ext uri="{BB962C8B-B14F-4D97-AF65-F5344CB8AC3E}">
+        <p14:creationId xmlns:p14="http://schemas.microsoft.com/office/powerpoint/2010/main" val="1435759726"/>
+      </p:ext>
+    </p:extLst>
+  </p:cSld>
+  <p:clrMapOvr>
+    <a:masterClrMapping/>
+  </p:clrMapOvr>
+</p:sld>
+</file>
+
+<file path=ppt/slides/slide8.xml><?xml version="1.0" encoding="utf-8"?>
+<p:sld xmlns:a="http://schemas.openxmlformats.org/drawingml/2006/main" xmlns:r="http://schemas.openxmlformats.org/officeDocument/2006/relationships" xmlns:p="http://schemas.openxmlformats.org/presentationml/2006/main">
+  <p:cSld>
+    <p:spTree>
+      <p:nvGrpSpPr>
+        <p:cNvPr id="1" name=""/>
+        <p:cNvGrpSpPr/>
+        <p:nvPr/>
+      </p:nvGrpSpPr>
+      <p:grpSpPr>
+        <a:xfrm>
+          <a:off x="0" y="0"/>
+          <a:ext cx="0" cy="0"/>
+          <a:chOff x="0" y="0"/>
+          <a:chExt cx="0" cy="0"/>
+        </a:xfrm>
+      </p:grpSpPr>
+      <p:sp>
+        <p:nvSpPr>
+          <p:cNvPr id="2" name="Title 1"/>
+          <p:cNvSpPr>
+            <a:spLocks noGrp="1"/>
+          </p:cNvSpPr>
+          <p:nvPr>
+            <p:ph type="title"/>
+          </p:nvPr>
+        </p:nvSpPr>
+        <p:spPr/>
+        <p:txBody>
+          <a:bodyPr/>
+          <a:lstStyle/>
+          <a:p>
+            <a:r>
+              <a:rPr lang="en-US" dirty="0" smtClean="0"/>
+              <a:t>JPG Logo</a:t>
+            </a:r>
+            <a:endParaRPr lang="en-US" dirty="0"/>
+          </a:p>
+        </p:txBody>
+      </p:sp>
+      <p:pic>
+        <p:nvPicPr>
+          <p:cNvPr id="5" name="Picture Placeholder 4"/>
+          <p:cNvPicPr>
+            <a:picLocks noGrp="1" noChangeAspect="1"/>
+          </p:cNvPicPr>
+          <p:nvPr>
+            <p:ph type="pic" idx="1"/>
+          </p:nvPr>
+        </p:nvPicPr>
+        <p:blipFill>
+          <a:blip r:embed="rId2">
+            <a:extLst>
+              <a:ext uri="{28A0092B-C50C-407E-A947-70E740481C1C}">
+                <a14:useLocalDpi xmlns:a14="http://schemas.microsoft.com/office/drawing/2010/main" val="0"/>
+              </a:ext>
+            </a:extLst>
+          </a:blip>
+          <a:stretch>
+            <a:fillRect/>
+          </a:stretch>
+        </p:blipFill>
+        <p:spPr>
+          <a:xfrm>
+            <a:off x="2159000" y="762000"/>
+            <a:ext cx="4826000" cy="1689100"/>
+          </a:xfrm>
+          <a:prstGeom prst="rect">
+            <a:avLst/>
+          </a:prstGeom>
+        </p:spPr>
+      </p:pic>
+      <p:sp>
+        <p:nvSpPr>
+          <p:cNvPr id="4" name="Text Placeholder 4"/>
+          <p:cNvSpPr>
+            <a:spLocks noGrp="1"/>
+          </p:cNvSpPr>
+          <p:nvPr>
+            <p:ph type="body" sz="half" idx="2"/>
+          </p:nvPr>
+        </p:nvSpPr>
+        <p:spPr/>
+        <p:txBody>
+          <a:bodyPr/>
+          <a:lstStyle/>
+          <a:p>
+            <a:r>
+              <a:rPr lang="en-US" dirty="0" smtClean="0"/>
+              <a:t>descriptions</a:t>
+            </a:r>
+            <a:endParaRPr lang="en-US"/>
+          </a:p>
+        </p:txBody>
+      </p:sp>
+    </p:spTree>
+    <p:extLst>
+      <p:ext uri="{BB962C8B-B14F-4D97-AF65-F5344CB8AC3E}">
+        <p14:creationId xmlns:p14="http://schemas.microsoft.com/office/powerpoint/2010/main" val="1435759726"/>
+      </p:ext>
+    </p:extLst>
+  </p:cSld>
+  <p:clrMapOvr>
+    <a:masterClrMapping/>
+  </p:clrMapOvr>
+</p:sld>
+</file>
+
+<file path=ppt/slides/slide9.xml><?xml version="1.0" encoding="utf-8"?>
 <p:sld xmlns:a="http://schemas.openxmlformats.org/drawingml/2006/main" xmlns:p="http://schemas.openxmlformats.org/presentationml/2006/main" xmlns:r="http://schemas.openxmlformats.org/officeDocument/2006/relationships">
   <p:cSld>
     <p:spTree>
@@ -3550,88 +3971,6 @@
     <p:extLst>
       <p:ext uri="{BB962C8B-B14F-4D97-AF65-F5344CB8AC3E}">
         <p14:creationId xmlns:p14="http://schemas.microsoft.com/office/powerpoint/2010/main" val="1474098577"/>
-      </p:ext>
-    </p:extLst>
-  </p:cSld>
-  <p:clrMapOvr>
-    <a:masterClrMapping/>
-  </p:clrMapOvr>
-</p:sld>
-</file>
-
-<file path=ppt/slides/slide7.xml><?xml version="1.0" encoding="utf-8"?>
-<p:sld xmlns:a="http://schemas.openxmlformats.org/drawingml/2006/main" xmlns:p="http://schemas.openxmlformats.org/presentationml/2006/main" xmlns:r="http://schemas.openxmlformats.org/officeDocument/2006/relationships">
-  <p:cSld>
-    <p:spTree>
-      <p:nvGrpSpPr>
-        <p:cNvPr id="1" name=""/>
-        <p:cNvGrpSpPr/>
-        <p:nvPr/>
-      </p:nvGrpSpPr>
-      <p:grpSpPr>
-        <a:xfrm>
-          <a:off x="0" y="0"/>
-          <a:ext cx="0" cy="0"/>
-          <a:chOff x="0" y="0"/>
-          <a:chExt cx="0" cy="0"/>
-        </a:xfrm>
-      </p:grpSpPr>
-      <p:sp>
-        <p:nvSpPr>
-          <p:cNvPr id="2" name="Title 1"/>
-          <p:cNvSpPr>
-            <a:spLocks noGrp="1"/>
-          </p:cNvSpPr>
-          <p:nvPr>
-            <p:ph type="title"/>
-          </p:nvPr>
-        </p:nvSpPr>
-        <p:spPr/>
-        <p:txBody>
-          <a:bodyPr/>
-          <a:lstStyle/>
-          <a:p>
-            <a:r>
-              <a:rPr dirty="0" lang="en-US" smtClean="0"/>
-              <a:t>Why Android?</a:t>
-            </a:r>
-            <a:endParaRPr dirty="0" lang="en-US"/>
-          </a:p>
-        </p:txBody>
-      </p:sp>
-      <p:sp>
-        <p:nvSpPr>
-          <p:cNvPr id="3" name="Content Placeholder 2"/>
-          <p:cNvSpPr>
-            <a:spLocks noGrp="1"/>
-          </p:cNvSpPr>
-          <p:nvPr>
-            <p:ph idx="1"/>
-          </p:nvPr>
-        </p:nvSpPr>
-        <p:spPr/>
-        <p:txBody>
-          <a:bodyPr/>
-          <a:lstStyle/>
-          <a:p>
-            <a:r>
-              <a:rPr dirty="0" lang="en-US" smtClean="0"/>
-              <a:t>Its great!</a:t>
-            </a:r>
-          </a:p>
-          <a:p>
-            <a:r>
-              <a:rPr dirty="0" lang="en-US" smtClean="0"/>
-              <a:t>Its sweet!</a:t>
-            </a:r>
-            <a:endParaRPr lang="en-US"/>
-          </a:p>
-        </p:txBody>
-      </p:sp>
-    </p:spTree>
-    <p:extLst>
-      <p:ext uri="{BB962C8B-B14F-4D97-AF65-F5344CB8AC3E}">
-        <p14:creationId xmlns:p14="http://schemas.microsoft.com/office/powerpoint/2010/main" val="1231192379"/>
       </p:ext>
     </p:extLst>
   </p:cSld>

--- a/samples/pptx/sample.pptx
+++ b/samples/pptx/sample.pptx
@@ -15,6 +15,7 @@
     <p:sldId id="263" r:id="rId13"/>
     <p:sldId id="264" r:id="rId14"/>
     <p:sldId id="265" r:id="rId15"/>
+    <p:sldId id="266" r:id="rId16"/>
   </p:sldIdLst>
   <p:sldSz cx="9144000" cy="6858000" type="screen4x3"/>
   <p:notesSz cx="6858000" cy="9144000"/>
@@ -3212,6 +3213,315 @@
           </a:p>
         </p:txBody>
       </p:sp>
+    </p:spTree>
+    <p:extLst>
+      <p:ext uri="{BB962C8B-B14F-4D97-AF65-F5344CB8AC3E}">
+        <p14:creationId xmlns:p14="http://schemas.microsoft.com/office/powerpoint/2010/main" val="1231192379"/>
+      </p:ext>
+    </p:extLst>
+  </p:cSld>
+  <p:clrMapOvr>
+    <a:masterClrMapping/>
+  </p:clrMapOvr>
+</p:sld>
+</file>
+
+<file path=ppt/slides/slide11.xml><?xml version="1.0" encoding="utf-8"?>
+<p:sld xmlns:a="http://schemas.openxmlformats.org/drawingml/2006/main" xmlns:p="http://schemas.openxmlformats.org/presentationml/2006/main" xmlns:r="http://schemas.openxmlformats.org/officeDocument/2006/relationships">
+  <p:cSld>
+    <p:spTree>
+      <p:nvGrpSpPr>
+        <p:cNvPr id="1" name=""/>
+        <p:cNvGrpSpPr/>
+        <p:nvPr/>
+      </p:nvGrpSpPr>
+      <p:grpSpPr>
+        <a:xfrm>
+          <a:off x="0" y="0"/>
+          <a:ext cx="0" cy="0"/>
+          <a:chOff x="0" y="0"/>
+          <a:chExt cx="0" cy="0"/>
+        </a:xfrm>
+      </p:grpSpPr>
+      <p:sp>
+        <p:nvSpPr>
+          <p:cNvPr id="2" name="Title 1"/>
+          <p:cNvSpPr>
+            <a:spLocks noGrp="1"/>
+          </p:cNvSpPr>
+          <p:nvPr>
+            <p:ph type="title"/>
+          </p:nvPr>
+        </p:nvSpPr>
+        <p:spPr/>
+        <p:txBody>
+          <a:bodyPr/>
+          <a:lstStyle/>
+          <a:p>
+            <a:r>
+              <a:rPr dirty="0" lang="en-US" smtClean="0"/>
+              <a:t>Why tables?</a:t>
+            </a:r>
+            <a:endParaRPr dirty="0" lang="en-US"/>
+          </a:p>
+        </p:txBody>
+      </p:sp>
+      <p:graphicFrame>
+        <p:nvGraphicFramePr>
+          <p:cNvPr id="87" name="Table 2"/>
+          <p:cNvGraphicFramePr/>
+          <p:nvPr/>
+        </p:nvGraphicFramePr>
+        <p:xfrm>
+          <a:off x="2066760" y="2365560"/>
+          <a:ext cx="5075280" cy="2159280"/>
+        </p:xfrm>
+        <a:graphic>
+          <a:graphicData uri="http://schemas.openxmlformats.org/drawingml/2006/table">
+            <a:tbl>
+              <a:tblPr/>
+              <a:tblGrid>
+                <a:gridCol w="1268640"/>
+                <a:gridCol w="1268640"/>
+                <a:gridCol w="1268640"/>
+                <a:gridCol w="1269720"/>
+              </a:tblGrid>
+              <a:tr h="719640">
+                <a:tc>
+                  <a:txBody>
+                    <a:bodyPr lIns="90000" rIns="90000" tIns="46800" bIns="46800"/>
+                    <a:p>
+                      <a:r>
+                        <a:rPr b="0" lang="pt-PT" sz="1800" spc="-1" strike="noStrike">
+                          <a:solidFill>
+                            <a:srgbClr val="000000"/>
+                          </a:solidFill>
+                          <a:uFill>
+                            <a:solidFill>
+                              <a:srgbClr val="ffffff"/>
+                            </a:solidFill>
+                          </a:uFill>
+                          <a:latin typeface="Arial"/>
+                        </a:rPr>
+                        <a:t>Row1Cell1</a:t>
+                      </a:r>
+                      <a:endParaRPr b="0" lang="pt-PT" sz="1800" spc="-1" strike="noStrike">
+                        <a:solidFill>
+                          <a:srgbClr val="000000"/>
+                        </a:solidFill>
+                        <a:uFill>
+                          <a:solidFill>
+                            <a:srgbClr val="ffffff"/>
+                          </a:solidFill>
+                        </a:uFill>
+                        <a:latin typeface="Arial"/>
+                      </a:endParaRPr>
+                    </a:p>
+                  </a:txBody>
+                  <a:tcPr marL="90000" marR="90000">
+                    <a:lnL w="720">
+                      <a:solidFill>
+                        <a:srgbClr val="ffffff"/>
+                      </a:solidFill>
+                    </a:lnL>
+                    <a:lnR w="720">
+                      <a:solidFill>
+                        <a:srgbClr val="ffffff"/>
+                      </a:solidFill>
+                    </a:lnR>
+                    <a:lnT w="720">
+                      <a:solidFill>
+                        <a:srgbClr val="ffffff"/>
+                      </a:solidFill>
+                    </a:lnT>
+                    <a:lnB w="720">
+                      <a:solidFill>
+                        <a:srgbClr val="ffffff"/>
+                      </a:solidFill>
+                    </a:lnB>
+                    <a:solidFill>
+                      <a:srgbClr val="b3b3b3"/>
+                    </a:solidFill>
+                  </a:tcPr>
+                </a:tc>
+                <a:tc>
+                  <a:txBody>
+                    <a:bodyPr lIns="90000" rIns="90000" tIns="46800" bIns="46800"/>
+                    <a:p>
+                      <a:r>
+                        <a:rPr b="0" lang="pt-PT" sz="1800" spc="-1" strike="noStrike">
+                          <a:solidFill>
+                            <a:srgbClr val="000000"/>
+                          </a:solidFill>
+                          <a:uFill>
+                            <a:solidFill>
+                              <a:srgbClr val="ffffff"/>
+                            </a:solidFill>
+                          </a:uFill>
+                          <a:latin typeface="Arial"/>
+                        </a:rPr>
+                        <a:t>Row1Cell1</a:t>
+                      </a:r>
+                      <a:endParaRPr b="0" lang="pt-PT" sz="1800" spc="-1" strike="noStrike">
+                        <a:solidFill>
+                          <a:srgbClr val="000000"/>
+                        </a:solidFill>
+                        <a:uFill>
+                          <a:solidFill>
+                            <a:srgbClr val="ffffff"/>
+                          </a:solidFill>
+                        </a:uFill>
+                        <a:latin typeface="Arial"/>
+                      </a:endParaRPr>
+                    </a:p>
+                  </a:txBody>
+                  <a:tcPr marL="90000" marR="90000">
+                    <a:lnL w="720">
+                      <a:solidFill>
+                        <a:srgbClr val="ffffff"/>
+                      </a:solidFill>
+                    </a:lnL>
+                    <a:lnR w="720">
+                      <a:solidFill>
+                        <a:srgbClr val="ffffff"/>
+                      </a:solidFill>
+                    </a:lnR>
+                    <a:lnT w="720">
+                      <a:solidFill>
+                        <a:srgbClr val="ffffff"/>
+                      </a:solidFill>
+                    </a:lnT>
+                    <a:lnB w="720">
+                      <a:solidFill>
+                        <a:srgbClr val="ffffff"/>
+                      </a:solidFill>
+                    </a:lnB>
+                    <a:solidFill>
+                      <a:srgbClr val="b3b3b3"/>
+                    </a:solidFill>
+                  </a:tcPr>
+                </a:tc>
+              </a:tr>
+              <a:tr h="719640">
+                <a:tc>
+                  <a:txBody>
+                    <a:bodyPr lIns="90000" rIns="90000" tIns="46800" bIns="46800"/>
+                    <a:p>
+                      <a:r>
+                        <a:rPr b="0" lang="pt-PT" sz="1800" spc="-1" strike="noStrike">
+                          <a:solidFill>
+                            <a:srgbClr val="000000"/>
+                          </a:solidFill>
+                          <a:uFill>
+                            <a:solidFill>
+                              <a:srgbClr val="ffffff"/>
+                            </a:solidFill>
+                          </a:uFill>
+                          <a:latin typeface="Arial"/>
+                        </a:rPr>
+                        <a:t>Row2Cell1</a:t>
+                      </a:r>
+                      <a:endParaRPr b="0" lang="pt-PT" sz="1800" spc="-1" strike="noStrike">
+                        <a:solidFill>
+                          <a:srgbClr val="000000"/>
+                        </a:solidFill>
+                        <a:uFill>
+                          <a:solidFill>
+                            <a:srgbClr val="ffffff"/>
+                          </a:solidFill>
+                        </a:uFill>
+                        <a:latin typeface="Arial"/>
+                      </a:endParaRPr>
+                    </a:p>
+                  </a:txBody>
+                  <a:tcPr marL="90000" marR="90000">
+                    <a:lnL w="720">
+                      <a:solidFill>
+                        <a:srgbClr val="ffffff"/>
+                      </a:solidFill>
+                    </a:lnL>
+                    <a:lnR w="720">
+                      <a:solidFill>
+                        <a:srgbClr val="ffffff"/>
+                      </a:solidFill>
+                    </a:lnR>
+                    <a:lnT w="720">
+                      <a:solidFill>
+                        <a:srgbClr val="ffffff"/>
+                      </a:solidFill>
+                    </a:lnT>
+                    <a:lnB w="720">
+                      <a:solidFill>
+                        <a:srgbClr val="ffffff"/>
+                      </a:solidFill>
+                    </a:lnB>
+                    <a:solidFill>
+                      <a:srgbClr val="b3b3b3"/>
+                    </a:solidFill>
+                  </a:tcPr>
+                </a:tc>
+                <a:tc>
+                  <a:txBody>
+                    <a:bodyPr lIns="90000" rIns="90000" tIns="46800" bIns="46800"/>
+                    <a:p>
+                      <a:r>
+                        <a:rPr b="0" lang="pt-PT" sz="1800" spc="-1" strike="noStrike">
+                          <a:solidFill>
+                            <a:srgbClr val="000000"/>
+                          </a:solidFill>
+                          <a:uFill>
+                            <a:solidFill>
+                              <a:srgbClr val="ffffff"/>
+                            </a:solidFill>
+                          </a:uFill>
+                          <a:latin typeface="Arial"/>
+                        </a:rPr>
+                        <a:t>Row2Cell2</a:t>
+                      </a:r>
+                      <a:endParaRPr b="0" lang="pt-PT" sz="1800" spc="-1" strike="noStrike">
+                        <a:solidFill>
+                          <a:srgbClr val="000000"/>
+                        </a:solidFill>
+                        <a:uFill>
+                          <a:solidFill>
+                            <a:srgbClr val="ffffff"/>
+                          </a:solidFill>
+                        </a:uFill>
+                        <a:latin typeface="Arial"/>
+                      </a:endParaRPr>
+                    </a:p>
+                  </a:txBody>
+                  <a:tcPr marL="90000" marR="90000">
+                    <a:lnL w="720">
+                      <a:solidFill>
+                        <a:srgbClr val="ffffff"/>
+                      </a:solidFill>
+                    </a:lnL>
+                    <a:lnR w="720">
+                      <a:solidFill>
+                        <a:srgbClr val="ffffff"/>
+                      </a:solidFill>
+                    </a:lnR>
+                    <a:lnT w="720">
+                      <a:solidFill>
+                        <a:srgbClr val="ffffff"/>
+                      </a:solidFill>
+                    </a:lnT>
+                    <a:lnB w="720">
+                      <a:solidFill>
+                        <a:srgbClr val="ffffff"/>
+                      </a:solidFill>
+                    </a:lnB>
+                    <a:solidFill>
+                      <a:srgbClr val="b3b3b3"/>
+                    </a:solidFill>
+                  </a:tcPr>
+                </a:tc>
+              </a:tr>
+            </a:tbl>
+          </a:graphicData>
+        </a:graphic>
+      </p:graphicFrame>
     </p:spTree>
     <p:extLst>
       <p:ext uri="{BB962C8B-B14F-4D97-AF65-F5344CB8AC3E}">

--- a/samples/pptx/sample.pptx
+++ b/samples/pptx/sample.pptx
@@ -3292,7 +3292,7 @@
                     <a:bodyPr lIns="90000" rIns="90000" tIns="46800" bIns="46800"/>
                     <a:p>
                       <a:r>
-                        <a:rPr b="0" lang="pt-PT" sz="1800" spc="-1" strike="noStrike">
+                        <a:rPr b="0" lang="en-US" sz="1800" spc="-1" strike="noStrike">
                           <a:solidFill>
                             <a:srgbClr val="000000"/>
                           </a:solidFill>
@@ -3305,7 +3305,7 @@
                         </a:rPr>
                         <a:t>Row1Cell1</a:t>
                       </a:r>
-                      <a:endParaRPr b="0" lang="pt-PT" sz="1800" spc="-1" strike="noStrike">
+                      <a:endParaRPr b="0" lang="en-US" sz="1800" spc="-1" strike="noStrike">
                         <a:solidFill>
                           <a:srgbClr val="000000"/>
                         </a:solidFill>
@@ -3349,7 +3349,7 @@
                     <a:bodyPr lIns="90000" rIns="90000" tIns="46800" bIns="46800"/>
                     <a:p>
                       <a:r>
-                        <a:rPr b="0" lang="pt-PT" sz="1800" spc="-1" strike="noStrike">
+                        <a:rPr b="0" lang="en-US" sz="1800" spc="-1" strike="noStrike">
                           <a:solidFill>
                             <a:srgbClr val="000000"/>
                           </a:solidFill>
@@ -3362,7 +3362,7 @@
                         </a:rPr>
                         <a:t>Row1Cell1</a:t>
                       </a:r>
-                      <a:endParaRPr b="0" lang="pt-PT" sz="1800" spc="-1" strike="noStrike">
+                      <a:endParaRPr b="0" lang="en-US" sz="1800" spc="-1" strike="noStrike">
                         <a:solidFill>
                           <a:srgbClr val="000000"/>
                         </a:solidFill>
@@ -3408,7 +3408,7 @@
                     <a:bodyPr lIns="90000" rIns="90000" tIns="46800" bIns="46800"/>
                     <a:p>
                       <a:r>
-                        <a:rPr b="0" lang="pt-PT" sz="1800" spc="-1" strike="noStrike">
+                        <a:rPr b="0" lang="en-US" sz="1800" spc="-1" strike="noStrike">
                           <a:solidFill>
                             <a:srgbClr val="000000"/>
                           </a:solidFill>
@@ -3421,7 +3421,7 @@
                         </a:rPr>
                         <a:t>Row2Cell1</a:t>
                       </a:r>
-                      <a:endParaRPr b="0" lang="pt-PT" sz="1800" spc="-1" strike="noStrike">
+                      <a:endParaRPr b="0" lang="en-US" sz="1800" spc="-1" strike="noStrike">
                         <a:solidFill>
                           <a:srgbClr val="000000"/>
                         </a:solidFill>
@@ -3465,7 +3465,7 @@
                     <a:bodyPr lIns="90000" rIns="90000" tIns="46800" bIns="46800"/>
                     <a:p>
                       <a:r>
-                        <a:rPr b="0" lang="pt-PT" sz="1800" spc="-1" strike="noStrike">
+                        <a:rPr b="0" lang="en-US" sz="1800" spc="-1" strike="noStrike">
                           <a:solidFill>
                             <a:srgbClr val="000000"/>
                           </a:solidFill>
@@ -3478,7 +3478,7 @@
                         </a:rPr>
                         <a:t>Row2Cell2</a:t>
                       </a:r>
-                      <a:endParaRPr b="0" lang="pt-PT" sz="1800" spc="-1" strike="noStrike">
+                      <a:endParaRPr b="0" lang="en-US" sz="1800" spc="-1" strike="noStrike">
                         <a:solidFill>
                           <a:srgbClr val="000000"/>
                         </a:solidFill>

--- a/samples/pptx/sample.pptx
+++ b/samples/pptx/sample.pptx
@@ -4261,4 +4261,287 @@
   <a:objectDefaults/>
   <a:extraClrSchemeLst/>
 </a:theme>
+</file>
+
+<file path=ppt/theme/theme2.xml><?xml version="1.0" encoding="utf-8"?>
+<a:theme xmlns:a="http://schemas.openxmlformats.org/drawingml/2006/main" name="Office Theme">
+  <a:themeElements>
+    <a:clrScheme name="Office">
+      <a:dk1>
+        <a:sysClr val="windowText" lastClr="000000"/>
+      </a:dk1>
+      <a:lt1>
+        <a:sysClr val="window" lastClr="FFFFFF"/>
+      </a:lt1>
+      <a:dk2>
+        <a:srgbClr val="1F497D"/>
+      </a:dk2>
+      <a:lt2>
+        <a:srgbClr val="EEECE1"/>
+      </a:lt2>
+      <a:accent1>
+        <a:srgbClr val="4F81BD"/>
+      </a:accent1>
+      <a:accent2>
+        <a:srgbClr val="C0504D"/>
+      </a:accent2>
+      <a:accent3>
+        <a:srgbClr val="9BBB59"/>
+      </a:accent3>
+      <a:accent4>
+        <a:srgbClr val="8064A2"/>
+      </a:accent4>
+      <a:accent5>
+        <a:srgbClr val="4BACC6"/>
+      </a:accent5>
+      <a:accent6>
+        <a:srgbClr val="F79646"/>
+      </a:accent6>
+      <a:hlink>
+        <a:srgbClr val="0000FF"/>
+      </a:hlink>
+      <a:folHlink>
+        <a:srgbClr val="800080"/>
+      </a:folHlink>
+    </a:clrScheme>
+    <a:fontScheme name="Office">
+      <a:majorFont>
+        <a:latin typeface="Calibri"/>
+        <a:ea typeface=""/>
+        <a:cs typeface=""/>
+        <a:font script="Jpan" typeface="ＭＳ Ｐゴシック"/>
+        <a:font script="Hang" typeface="맑은 고딕"/>
+        <a:font script="Hans" typeface="宋体"/>
+        <a:font script="Hant" typeface="新細明體"/>
+        <a:font script="Arab" typeface="Times New Roman"/>
+        <a:font script="Hebr" typeface="Times New Roman"/>
+        <a:font script="Thai" typeface="Angsana New"/>
+        <a:font script="Ethi" typeface="Nyala"/>
+        <a:font script="Beng" typeface="Vrinda"/>
+        <a:font script="Gujr" typeface="Shruti"/>
+        <a:font script="Khmr" typeface="MoolBoran"/>
+        <a:font script="Knda" typeface="Tunga"/>
+        <a:font script="Guru" typeface="Raavi"/>
+        <a:font script="Cans" typeface="Euphemia"/>
+        <a:font script="Cher" typeface="Plantagenet Cherokee"/>
+        <a:font script="Yiii" typeface="Microsoft Yi Baiti"/>
+        <a:font script="Tibt" typeface="Microsoft Himalaya"/>
+        <a:font script="Thaa" typeface="MV Boli"/>
+        <a:font script="Deva" typeface="Mangal"/>
+        <a:font script="Telu" typeface="Gautami"/>
+        <a:font script="Taml" typeface="Latha"/>
+        <a:font script="Syrc" typeface="Estrangelo Edessa"/>
+        <a:font script="Orya" typeface="Kalinga"/>
+        <a:font script="Mlym" typeface="Kartika"/>
+        <a:font script="Laoo" typeface="DokChampa"/>
+        <a:font script="Sinh" typeface="Iskoola Pota"/>
+        <a:font script="Mong" typeface="Mongolian Baiti"/>
+        <a:font script="Viet" typeface="Times New Roman"/>
+        <a:font script="Uigh" typeface="Microsoft Uighur"/>
+      </a:majorFont>
+      <a:minorFont>
+        <a:latin typeface="Calibri"/>
+        <a:ea typeface=""/>
+        <a:cs typeface=""/>
+        <a:font script="Jpan" typeface="ＭＳ Ｐゴシック"/>
+        <a:font script="Hang" typeface="맑은 고딕"/>
+        <a:font script="Hans" typeface="宋体"/>
+        <a:font script="Hant" typeface="新細明體"/>
+        <a:font script="Arab" typeface="Arial"/>
+        <a:font script="Hebr" typeface="Arial"/>
+        <a:font script="Thai" typeface="Cordia New"/>
+        <a:font script="Ethi" typeface="Nyala"/>
+        <a:font script="Beng" typeface="Vrinda"/>
+        <a:font script="Gujr" typeface="Shruti"/>
+        <a:font script="Khmr" typeface="DaunPenh"/>
+        <a:font script="Knda" typeface="Tunga"/>
+        <a:font script="Guru" typeface="Raavi"/>
+        <a:font script="Cans" typeface="Euphemia"/>
+        <a:font script="Cher" typeface="Plantagenet Cherokee"/>
+        <a:font script="Yiii" typeface="Microsoft Yi Baiti"/>
+        <a:font script="Tibt" typeface="Microsoft Himalaya"/>
+        <a:font script="Thaa" typeface="MV Boli"/>
+        <a:font script="Deva" typeface="Mangal"/>
+        <a:font script="Telu" typeface="Gautami"/>
+        <a:font script="Taml" typeface="Latha"/>
+        <a:font script="Syrc" typeface="Estrangelo Edessa"/>
+        <a:font script="Orya" typeface="Kalinga"/>
+        <a:font script="Mlym" typeface="Kartika"/>
+        <a:font script="Laoo" typeface="DokChampa"/>
+        <a:font script="Sinh" typeface="Iskoola Pota"/>
+        <a:font script="Mong" typeface="Mongolian Baiti"/>
+        <a:font script="Viet" typeface="Arial"/>
+        <a:font script="Uigh" typeface="Microsoft Uighur"/>
+      </a:minorFont>
+    </a:fontScheme>
+    <a:fmtScheme name="Office">
+      <a:fillStyleLst>
+        <a:solidFill>
+          <a:schemeClr val="phClr"/>
+        </a:solidFill>
+        <a:gradFill rotWithShape="1">
+          <a:gsLst>
+            <a:gs pos="0">
+              <a:schemeClr val="phClr">
+                <a:tint val="50000"/>
+                <a:satMod val="300000"/>
+              </a:schemeClr>
+            </a:gs>
+            <a:gs pos="35000">
+              <a:schemeClr val="phClr">
+                <a:tint val="37000"/>
+                <a:satMod val="300000"/>
+              </a:schemeClr>
+            </a:gs>
+            <a:gs pos="100000">
+              <a:schemeClr val="phClr">
+                <a:tint val="15000"/>
+                <a:satMod val="350000"/>
+              </a:schemeClr>
+            </a:gs>
+          </a:gsLst>
+          <a:lin ang="16200000" scaled="1"/>
+        </a:gradFill>
+        <a:gradFill rotWithShape="1">
+          <a:gsLst>
+            <a:gs pos="0">
+              <a:schemeClr val="phClr">
+                <a:shade val="51000"/>
+                <a:satMod val="130000"/>
+              </a:schemeClr>
+            </a:gs>
+            <a:gs pos="80000">
+              <a:schemeClr val="phClr">
+                <a:shade val="93000"/>
+                <a:satMod val="130000"/>
+              </a:schemeClr>
+            </a:gs>
+            <a:gs pos="100000">
+              <a:schemeClr val="phClr">
+                <a:shade val="94000"/>
+                <a:satMod val="135000"/>
+              </a:schemeClr>
+            </a:gs>
+          </a:gsLst>
+          <a:lin ang="16200000" scaled="0"/>
+        </a:gradFill>
+      </a:fillStyleLst>
+      <a:lnStyleLst>
+        <a:ln w="9525" cap="flat" cmpd="sng" algn="ctr">
+          <a:solidFill>
+            <a:schemeClr val="phClr">
+              <a:shade val="95000"/>
+              <a:satMod val="105000"/>
+            </a:schemeClr>
+          </a:solidFill>
+          <a:prstDash val="solid"/>
+        </a:ln>
+        <a:ln w="25400" cap="flat" cmpd="sng" algn="ctr">
+          <a:solidFill>
+            <a:schemeClr val="phClr"/>
+          </a:solidFill>
+          <a:prstDash val="solid"/>
+        </a:ln>
+        <a:ln w="38100" cap="flat" cmpd="sng" algn="ctr">
+          <a:solidFill>
+            <a:schemeClr val="phClr"/>
+          </a:solidFill>
+          <a:prstDash val="solid"/>
+        </a:ln>
+      </a:lnStyleLst>
+      <a:effectStyleLst>
+        <a:effectStyle>
+          <a:effectLst>
+            <a:outerShdw blurRad="40000" dist="20000" dir="5400000" rotWithShape="0">
+              <a:srgbClr val="000000">
+                <a:alpha val="38000"/>
+              </a:srgbClr>
+            </a:outerShdw>
+          </a:effectLst>
+        </a:effectStyle>
+        <a:effectStyle>
+          <a:effectLst>
+            <a:outerShdw blurRad="40000" dist="23000" dir="5400000" rotWithShape="0">
+              <a:srgbClr val="000000">
+                <a:alpha val="35000"/>
+              </a:srgbClr>
+            </a:outerShdw>
+          </a:effectLst>
+        </a:effectStyle>
+        <a:effectStyle>
+          <a:effectLst>
+            <a:outerShdw blurRad="40000" dist="23000" dir="5400000" rotWithShape="0">
+              <a:srgbClr val="000000">
+                <a:alpha val="35000"/>
+              </a:srgbClr>
+            </a:outerShdw>
+          </a:effectLst>
+          <a:scene3d>
+            <a:camera prst="orthographicFront">
+              <a:rot lat="0" lon="0" rev="0"/>
+            </a:camera>
+            <a:lightRig rig="threePt" dir="t">
+              <a:rot lat="0" lon="0" rev="1200000"/>
+            </a:lightRig>
+          </a:scene3d>
+          <a:sp3d>
+            <a:bevelT w="63500" h="25400"/>
+          </a:sp3d>
+        </a:effectStyle>
+      </a:effectStyleLst>
+      <a:bgFillStyleLst>
+        <a:solidFill>
+          <a:schemeClr val="phClr"/>
+        </a:solidFill>
+        <a:gradFill rotWithShape="1">
+          <a:gsLst>
+            <a:gs pos="0">
+              <a:schemeClr val="phClr">
+                <a:tint val="40000"/>
+                <a:satMod val="350000"/>
+              </a:schemeClr>
+            </a:gs>
+            <a:gs pos="40000">
+              <a:schemeClr val="phClr">
+                <a:tint val="45000"/>
+                <a:shade val="99000"/>
+                <a:satMod val="350000"/>
+              </a:schemeClr>
+            </a:gs>
+            <a:gs pos="100000">
+              <a:schemeClr val="phClr">
+                <a:shade val="20000"/>
+                <a:satMod val="255000"/>
+              </a:schemeClr>
+            </a:gs>
+          </a:gsLst>
+          <a:path path="circle">
+            <a:fillToRect l="50000" t="-80000" r="50000" b="180000"/>
+          </a:path>
+        </a:gradFill>
+        <a:gradFill rotWithShape="1">
+          <a:gsLst>
+            <a:gs pos="0">
+              <a:schemeClr val="phClr">
+                <a:tint val="80000"/>
+                <a:satMod val="300000"/>
+              </a:schemeClr>
+            </a:gs>
+            <a:gs pos="100000">
+              <a:schemeClr val="phClr">
+                <a:shade val="30000"/>
+                <a:satMod val="200000"/>
+              </a:schemeClr>
+            </a:gs>
+          </a:gsLst>
+          <a:path path="circle">
+            <a:fillToRect l="50000" t="50000" r="50000" b="50000"/>
+          </a:path>
+        </a:gradFill>
+      </a:bgFillStyleLst>
+    </a:fmtScheme>
+  </a:themeElements>
+  <a:objectDefaults/>
+  <a:extraClrSchemeLst/>
+</a:theme>
 </file>
--- a/samples/pptx/sample.pptx
+++ b/samples/pptx/sample.pptx
@@ -4274,7 +4274,7 @@
         <a:sysClr val="window" lastClr="FFFFFF"/>
       </a:lt1>
       <a:dk2>
-        <a:srgbClr val="1F497D"/>
+        <a:srgbClr val="3C1151"/>
       </a:dk2>
       <a:lt2>
         <a:srgbClr val="EEECE1"/>

--- a/samples/pptx/sample.pptx
+++ b/samples/pptx/sample.pptx
@@ -4306,7 +4306,7 @@
     </a:clrScheme>
     <a:fontScheme name="Office">
       <a:majorFont>
-        <a:latin typeface="Calibri"/>
+        <a:latin typeface="Arvo"/>
         <a:ea typeface=""/>
         <a:cs typeface=""/>
         <a:font script="Jpan" typeface="ＭＳ Ｐゴシック"/>
@@ -4340,7 +4340,7 @@
         <a:font script="Uigh" typeface="Microsoft Uighur"/>
       </a:majorFont>
       <a:minorFont>
-        <a:latin typeface="Calibri"/>
+        <a:latin typeface="WorkSans"/>
         <a:ea typeface=""/>
         <a:cs typeface=""/>
         <a:font script="Jpan" typeface="ＭＳ Ｐゴシック"/>

--- a/samples/pptx/sample.pptx
+++ b/samples/pptx/sample.pptx
@@ -16,14 +16,14 @@
     <p:sldId id="264" r:id="rId14"/>
     <p:sldId id="265" r:id="rId15"/>
   </p:sldIdLst>
-  <p:sldSz cx="9144000" cy="6858000" type="screen4x3"/>
+  <p:sldSz cx="12192000" cy="6858000"/>
   <p:notesSz cx="6858000" cy="9144000"/>
   <p:defaultTextStyle>
     <a:defPPr>
       <a:defRPr lang="en-US"/>
     </a:defPPr>
-    <a:lvl1pPr algn="l" defTabSz="914400" eaLnBrk="1" hangingPunct="1" latinLnBrk="0" marL="0" rtl="0">
-      <a:defRPr kern="1200" sz="1800">
+    <a:lvl1pPr marL="0" algn="l" defTabSz="914400" rtl="0" eaLnBrk="1" latinLnBrk="0" hangingPunct="1">
+      <a:defRPr sz="1800" kern="1200">
         <a:solidFill>
           <a:schemeClr val="tx1"/>
         </a:solidFill>
@@ -32,8 +32,8 @@
         <a:cs typeface="+mn-cs"/>
       </a:defRPr>
     </a:lvl1pPr>
-    <a:lvl2pPr algn="l" defTabSz="914400" eaLnBrk="1" hangingPunct="1" latinLnBrk="0" marL="457200" rtl="0">
-      <a:defRPr kern="1200" sz="1800">
+    <a:lvl2pPr marL="457200" algn="l" defTabSz="914400" rtl="0" eaLnBrk="1" latinLnBrk="0" hangingPunct="1">
+      <a:defRPr sz="1800" kern="1200">
         <a:solidFill>
           <a:schemeClr val="tx1"/>
         </a:solidFill>
@@ -42,8 +42,8 @@
         <a:cs typeface="+mn-cs"/>
       </a:defRPr>
     </a:lvl2pPr>
-    <a:lvl3pPr algn="l" defTabSz="914400" eaLnBrk="1" hangingPunct="1" latinLnBrk="0" marL="914400" rtl="0">
-      <a:defRPr kern="1200" sz="1800">
+    <a:lvl3pPr marL="914400" algn="l" defTabSz="914400" rtl="0" eaLnBrk="1" latinLnBrk="0" hangingPunct="1">
+      <a:defRPr sz="1800" kern="1200">
         <a:solidFill>
           <a:schemeClr val="tx1"/>
         </a:solidFill>
@@ -52,8 +52,8 @@
         <a:cs typeface="+mn-cs"/>
       </a:defRPr>
     </a:lvl3pPr>
-    <a:lvl4pPr algn="l" defTabSz="914400" eaLnBrk="1" hangingPunct="1" latinLnBrk="0" marL="1371600" rtl="0">
-      <a:defRPr kern="1200" sz="1800">
+    <a:lvl4pPr marL="1371600" algn="l" defTabSz="914400" rtl="0" eaLnBrk="1" latinLnBrk="0" hangingPunct="1">
+      <a:defRPr sz="1800" kern="1200">
         <a:solidFill>
           <a:schemeClr val="tx1"/>
         </a:solidFill>
@@ -62,8 +62,8 @@
         <a:cs typeface="+mn-cs"/>
       </a:defRPr>
     </a:lvl4pPr>
-    <a:lvl5pPr algn="l" defTabSz="914400" eaLnBrk="1" hangingPunct="1" latinLnBrk="0" marL="1828800" rtl="0">
-      <a:defRPr kern="1200" sz="1800">
+    <a:lvl5pPr marL="1828800" algn="l" defTabSz="914400" rtl="0" eaLnBrk="1" latinLnBrk="0" hangingPunct="1">
+      <a:defRPr sz="1800" kern="1200">
         <a:solidFill>
           <a:schemeClr val="tx1"/>
         </a:solidFill>
@@ -72,8 +72,8 @@
         <a:cs typeface="+mn-cs"/>
       </a:defRPr>
     </a:lvl5pPr>
-    <a:lvl6pPr algn="l" defTabSz="914400" eaLnBrk="1" hangingPunct="1" latinLnBrk="0" marL="2286000" rtl="0">
-      <a:defRPr kern="1200" sz="1800">
+    <a:lvl6pPr marL="2286000" algn="l" defTabSz="914400" rtl="0" eaLnBrk="1" latinLnBrk="0" hangingPunct="1">
+      <a:defRPr sz="1800" kern="1200">
         <a:solidFill>
           <a:schemeClr val="tx1"/>
         </a:solidFill>
@@ -82,8 +82,8 @@
         <a:cs typeface="+mn-cs"/>
       </a:defRPr>
     </a:lvl6pPr>
-    <a:lvl7pPr algn="l" defTabSz="914400" eaLnBrk="1" hangingPunct="1" latinLnBrk="0" marL="2743200" rtl="0">
-      <a:defRPr kern="1200" sz="1800">
+    <a:lvl7pPr marL="2743200" algn="l" defTabSz="914400" rtl="0" eaLnBrk="1" latinLnBrk="0" hangingPunct="1">
+      <a:defRPr sz="1800" kern="1200">
         <a:solidFill>
           <a:schemeClr val="tx1"/>
         </a:solidFill>
@@ -92,8 +92,8 @@
         <a:cs typeface="+mn-cs"/>
       </a:defRPr>
     </a:lvl7pPr>
-    <a:lvl8pPr algn="l" defTabSz="914400" eaLnBrk="1" hangingPunct="1" latinLnBrk="0" marL="3200400" rtl="0">
-      <a:defRPr kern="1200" sz="1800">
+    <a:lvl8pPr marL="3200400" algn="l" defTabSz="914400" rtl="0" eaLnBrk="1" latinLnBrk="0" hangingPunct="1">
+      <a:defRPr sz="1800" kern="1200">
         <a:solidFill>
           <a:schemeClr val="tx1"/>
         </a:solidFill>
@@ -102,8 +102,8 @@
         <a:cs typeface="+mn-cs"/>
       </a:defRPr>
     </a:lvl8pPr>
-    <a:lvl9pPr algn="l" defTabSz="914400" eaLnBrk="1" hangingPunct="1" latinLnBrk="0" marL="3657600" rtl="0">
-      <a:defRPr kern="1200" sz="1800">
+    <a:lvl9pPr marL="3657600" algn="l" defTabSz="914400" rtl="0" eaLnBrk="1" latinLnBrk="0" hangingPunct="1">
+      <a:defRPr sz="1800" kern="1200">
         <a:solidFill>
           <a:schemeClr val="tx1"/>
         </a:solidFill>
@@ -161,14 +161,19 @@
         </p:nvSpPr>
         <p:spPr>
           <a:xfrm>
-            <a:off x="685800" y="2130425"/>
-            <a:ext cx="7772400" cy="1470025"/>
+            <a:off x="0" y="0"/>
+            <a:ext cx="2971800" cy="458788"/>
           </a:xfrm>
         </p:spPr>
         <p:txBody>
-          <a:bodyPr/>
-          <a:lstStyle/>
-          <a:p>
+          <a:bodyPr vert="horz" lIns="91440" tIns="45720" rIns="91440" bIns="45720" rtlCol="0"/>
+          <a:lstStyle/>
+          <a:p>
+            <a:pPr algn="l">
+              <a:spcAft>
+                <a:spcPts val="1200"/>
+              </a:spcAft>
+            </a:pPr>
             <a:r>
               <a:rPr lang="en-US" smtClean="0"/>
               <a:t>Click to edit Master title style</a:t>
@@ -189,12 +194,12 @@
         </p:nvSpPr>
         <p:spPr>
           <a:xfrm>
-            <a:off x="1371600" y="3886200"/>
-            <a:ext cx="6400800" cy="1752600"/>
+            <a:off x="3884613" y="0"/>
+            <a:ext cx="2971800" cy="458788"/>
           </a:xfrm>
         </p:spPr>
         <p:txBody>
-          <a:bodyPr/>
+          <a:bodyPr vert="horz" lIns="91440" tIns="45720" rIns="91440" bIns="45720" rtlCol="0"/>
           <a:lstStyle>
             <a:lvl1pPr algn="ctr" indent="0" marL="0">
               <a:buNone/>
